--- a/reflection.pptx
+++ b/reflection.pptx
@@ -8,11 +8,13 @@
     <p:sldId id="256" r:id="rId2"/>
     <p:sldId id="258" r:id="rId3"/>
     <p:sldId id="257" r:id="rId4"/>
-    <p:sldId id="259" r:id="rId5"/>
-    <p:sldId id="260" r:id="rId6"/>
-    <p:sldId id="262" r:id="rId7"/>
-    <p:sldId id="261" r:id="rId8"/>
-    <p:sldId id="263" r:id="rId9"/>
+    <p:sldId id="264" r:id="rId5"/>
+    <p:sldId id="259" r:id="rId6"/>
+    <p:sldId id="260" r:id="rId7"/>
+    <p:sldId id="262" r:id="rId8"/>
+    <p:sldId id="261" r:id="rId9"/>
+    <p:sldId id="263" r:id="rId10"/>
+    <p:sldId id="265" r:id="rId11"/>
   </p:sldIdLst>
   <p:sldSz cx="12192000" cy="6858000"/>
   <p:notesSz cx="6858000" cy="9144000"/>
@@ -111,6 +113,11 @@
       </a:defRPr>
     </a:lvl9pPr>
   </p:defaultTextStyle>
+  <p:extLst>
+    <p:ext uri="{EFAFB233-063F-42B5-8137-9DF3F51BA10A}">
+      <p15:sldGuideLst xmlns:p15="http://schemas.microsoft.com/office/powerpoint/2012/main"/>
+    </p:ext>
+  </p:extLst>
 </p:presentation>
 </file>
 
@@ -3365,8 +3372,8 @@
             </p:nvSpPr>
             <p:spPr>
               <a:xfrm>
-                <a:off x="3174705" y="1786018"/>
-                <a:ext cx="6097772" cy="2960875"/>
+                <a:off x="3047114" y="1533769"/>
+                <a:ext cx="6097772" cy="3790461"/>
               </a:xfrm>
               <a:prstGeom prst="rect">
                 <a:avLst/>
@@ -3422,6 +3429,20 @@
                 </a:r>
               </a:p>
               <a:p>
+                <a:pPr algn="l">
+                  <a:lnSpc>
+                    <a:spcPct val="150000"/>
+                  </a:lnSpc>
+                </a:pPr>
+                <a:endParaRPr lang="da-DK" sz="1800" b="0" i="0" u="none" strike="noStrike" noProof="0" dirty="0">
+                  <a:solidFill>
+                    <a:srgbClr val="00B050"/>
+                  </a:solidFill>
+                  <a:effectLst/>
+                  <a:latin typeface="Aptos" panose="020B0004020202020204" pitchFamily="34" charset="0"/>
+                </a:endParaRPr>
+              </a:p>
+              <a:p>
                 <a:pPr marL="285750" indent="-285750">
                   <a:lnSpc>
                     <a:spcPct val="150000"/>
@@ -3462,6 +3483,20 @@
                   </a:rPr>
                   <a:t>Læring &amp; Motivation</a:t>
                 </a:r>
+              </a:p>
+              <a:p>
+                <a:pPr>
+                  <a:lnSpc>
+                    <a:spcPct val="150000"/>
+                  </a:lnSpc>
+                </a:pPr>
+                <a:endParaRPr lang="da-DK" sz="1800" b="0" i="0" u="none" strike="noStrike" noProof="0" dirty="0">
+                  <a:solidFill>
+                    <a:srgbClr val="00B0F0"/>
+                  </a:solidFill>
+                  <a:effectLst/>
+                  <a:latin typeface="Aptos" panose="020B0004020202020204" pitchFamily="34" charset="0"/>
+                </a:endParaRPr>
               </a:p>
               <a:p>
                 <a:pPr marL="285750" indent="-285750">
@@ -3535,8 +3570,8 @@
             </p:nvSpPr>
             <p:spPr>
               <a:xfrm>
-                <a:off x="3174705" y="1786018"/>
-                <a:ext cx="6097772" cy="2960875"/>
+                <a:off x="3047114" y="1533769"/>
+                <a:ext cx="6097772" cy="3790461"/>
               </a:xfrm>
               <a:prstGeom prst="rect">
                 <a:avLst/>
@@ -3544,7 +3579,7 @@
               <a:blipFill>
                 <a:blip r:embed="rId2"/>
                 <a:stretch>
-                  <a:fillRect l="-832" r="-1455" b="-2564"/>
+                  <a:fillRect l="-625" r="-1667" b="-1667"/>
                 </a:stretch>
               </a:blipFill>
             </p:spPr>
@@ -3563,12 +3598,42 @@
           </p:sp>
         </mc:Fallback>
       </mc:AlternateContent>
+    </p:spTree>
+    <p:extLst>
+      <p:ext uri="{BB962C8B-B14F-4D97-AF65-F5344CB8AC3E}">
+        <p14:creationId xmlns:p14="http://schemas.microsoft.com/office/powerpoint/2010/main" val="9363418"/>
+      </p:ext>
+    </p:extLst>
+  </p:cSld>
+  <p:clrMapOvr>
+    <a:masterClrMapping/>
+  </p:clrMapOvr>
+</p:sld>
+</file>
+
+<file path=ppt/slides/slide10.xml><?xml version="1.0" encoding="utf-8"?>
+<p:sld xmlns:a="http://schemas.openxmlformats.org/drawingml/2006/main" xmlns:r="http://schemas.openxmlformats.org/officeDocument/2006/relationships" xmlns:p="http://schemas.openxmlformats.org/presentationml/2006/main">
+  <p:cSld>
+    <p:spTree>
+      <p:nvGrpSpPr>
+        <p:cNvPr id="1" name=""/>
+        <p:cNvGrpSpPr/>
+        <p:nvPr/>
+      </p:nvGrpSpPr>
+      <p:grpSpPr>
+        <a:xfrm>
+          <a:off x="0" y="0"/>
+          <a:ext cx="0" cy="0"/>
+          <a:chOff x="0" y="0"/>
+          <a:chExt cx="0" cy="0"/>
+        </a:xfrm>
+      </p:grpSpPr>
       <p:sp>
         <p:nvSpPr>
-          <p:cNvPr id="7" name="TextBox 6">
-            <a:extLst>
-              <a:ext uri="{FF2B5EF4-FFF2-40B4-BE49-F238E27FC236}">
-                <a16:creationId xmlns:a16="http://schemas.microsoft.com/office/drawing/2014/main" id="{896DFD9F-3A91-A489-EC98-BBD038FFC4A4}"/>
+          <p:cNvPr id="4" name="TextBox 3">
+            <a:extLst>
+              <a:ext uri="{FF2B5EF4-FFF2-40B4-BE49-F238E27FC236}">
+                <a16:creationId xmlns:a16="http://schemas.microsoft.com/office/drawing/2014/main" id="{10E1A1F6-45C3-9E3A-B9F7-9B1D8898DC84}"/>
               </a:ext>
             </a:extLst>
           </p:cNvPr>
@@ -3577,8 +3642,8 @@
         </p:nvSpPr>
         <p:spPr>
           <a:xfrm>
-            <a:off x="8226942" y="384176"/>
-            <a:ext cx="6097772" cy="369332"/>
+            <a:off x="587829" y="533400"/>
+            <a:ext cx="3385457" cy="5786199"/>
           </a:xfrm>
           <a:prstGeom prst="rect">
             <a:avLst/>
@@ -3586,113 +3651,392 @@
           <a:noFill/>
         </p:spPr>
         <p:txBody>
-          <a:bodyPr wrap="square">
+          <a:bodyPr wrap="square" rtlCol="0">
             <a:spAutoFit/>
           </a:bodyPr>
           <a:lstStyle/>
           <a:p>
             <a:r>
-              <a:rPr lang="da-DK" sz="1800" b="0" i="0" u="none" strike="noStrike" noProof="0" dirty="0">
-                <a:solidFill>
-                  <a:srgbClr val="00B050"/>
-                </a:solidFill>
-                <a:effectLst/>
-                <a:latin typeface="Aptos" panose="020B0004020202020204" pitchFamily="34" charset="0"/>
-              </a:rPr>
-              <a:t>Tilpasning</a:t>
-            </a:r>
+              <a:rPr lang="en-DK" sz="3200" dirty="0"/>
+              <a:t>Tekniske detaljer</a:t>
+            </a:r>
+          </a:p>
+          <a:p>
+            <a:endParaRPr lang="en-DK" sz="3200" dirty="0"/>
+          </a:p>
+          <a:p>
+            <a:r>
+              <a:rPr lang="en-DK" dirty="0"/>
+              <a:t>Detaljer gemt </a:t>
+            </a:r>
+            <a:r>
+              <a:rPr lang="en-GB" dirty="0"/>
+              <a:t>I</a:t>
+            </a:r>
+            <a:r>
+              <a:rPr lang="en-DK" dirty="0"/>
+              <a:t> en Python pakke på github. </a:t>
+            </a:r>
+          </a:p>
+          <a:p>
+            <a:endParaRPr lang="en-DK" dirty="0"/>
+          </a:p>
+          <a:p>
+            <a:pPr marL="285750" indent="-285750">
+              <a:buFont typeface="Arial" panose="020B0604020202020204" pitchFamily="34" charset="0"/>
+              <a:buChar char="•"/>
+            </a:pPr>
+            <a:r>
+              <a:rPr lang="en-DK" dirty="0"/>
+              <a:t>Hjælper med installation af nødvendige pakker</a:t>
+            </a:r>
+          </a:p>
+          <a:p>
+            <a:pPr marL="285750" indent="-285750">
+              <a:buFont typeface="Arial" panose="020B0604020202020204" pitchFamily="34" charset="0"/>
+              <a:buChar char="•"/>
+            </a:pPr>
+            <a:endParaRPr lang="en-DK" dirty="0"/>
+          </a:p>
+          <a:p>
+            <a:pPr marL="285750" indent="-285750">
+              <a:buFont typeface="Arial" panose="020B0604020202020204" pitchFamily="34" charset="0"/>
+              <a:buChar char="•"/>
+            </a:pPr>
+            <a:r>
+              <a:rPr lang="en-DK" dirty="0"/>
+              <a:t>Giver adgang til hjælpe funktioner</a:t>
+            </a:r>
+          </a:p>
+          <a:p>
+            <a:pPr marL="285750" indent="-285750">
+              <a:buFont typeface="Arial" panose="020B0604020202020204" pitchFamily="34" charset="0"/>
+              <a:buChar char="•"/>
+            </a:pPr>
+            <a:endParaRPr lang="en-DK" dirty="0"/>
+          </a:p>
+          <a:p>
+            <a:pPr marL="285750" indent="-285750">
+              <a:buFont typeface="Arial" panose="020B0604020202020204" pitchFamily="34" charset="0"/>
+              <a:buChar char="•"/>
+            </a:pPr>
+            <a:r>
+              <a:rPr lang="en-DK" dirty="0"/>
+              <a:t>Datasæt kan distribueres der igennem. </a:t>
+            </a:r>
+          </a:p>
+          <a:p>
+            <a:pPr marL="285750" indent="-285750">
+              <a:buFont typeface="Arial" panose="020B0604020202020204" pitchFamily="34" charset="0"/>
+              <a:buChar char="•"/>
+            </a:pPr>
+            <a:endParaRPr lang="en-DK" dirty="0"/>
+          </a:p>
+          <a:p>
+            <a:pPr marL="285750" indent="-285750">
+              <a:buFont typeface="Arial" panose="020B0604020202020204" pitchFamily="34" charset="0"/>
+              <a:buChar char="•"/>
+            </a:pPr>
+            <a:r>
+              <a:rPr lang="en-DK" dirty="0"/>
+              <a:t>Kan linke til Colab/lignende så er ingen lokal installation er nødvendig. </a:t>
+            </a:r>
+          </a:p>
+          <a:p>
+            <a:endParaRPr lang="en-DK" dirty="0"/>
+          </a:p>
+          <a:p>
             <a:endParaRPr lang="en-DK" dirty="0"/>
           </a:p>
         </p:txBody>
       </p:sp>
-      <p:sp>
-        <p:nvSpPr>
-          <p:cNvPr id="9" name="TextBox 8">
-            <a:extLst>
-              <a:ext uri="{FF2B5EF4-FFF2-40B4-BE49-F238E27FC236}">
-                <a16:creationId xmlns:a16="http://schemas.microsoft.com/office/drawing/2014/main" id="{F5B0EB24-819E-4027-E867-E9DA006B4DEF}"/>
-              </a:ext>
-            </a:extLst>
-          </p:cNvPr>
-          <p:cNvSpPr txBox="1"/>
+      <p:pic>
+        <p:nvPicPr>
+          <p:cNvPr id="6" name="Picture 5">
+            <a:extLst>
+              <a:ext uri="{FF2B5EF4-FFF2-40B4-BE49-F238E27FC236}">
+                <a16:creationId xmlns:a16="http://schemas.microsoft.com/office/drawing/2014/main" id="{B485C852-8BA6-5764-9352-258BC96B7532}"/>
+              </a:ext>
+            </a:extLst>
+          </p:cNvPr>
+          <p:cNvPicPr>
+            <a:picLocks noChangeAspect="1"/>
+          </p:cNvPicPr>
           <p:nvPr/>
-        </p:nvSpPr>
+        </p:nvPicPr>
+        <p:blipFill>
+          <a:blip r:embed="rId2"/>
+          <a:stretch>
+            <a:fillRect/>
+          </a:stretch>
+        </p:blipFill>
         <p:spPr>
           <a:xfrm>
-            <a:off x="8226942" y="755768"/>
-            <a:ext cx="7166344" cy="369332"/>
+            <a:off x="5246557" y="684715"/>
+            <a:ext cx="6727104" cy="1260092"/>
           </a:xfrm>
           <a:prstGeom prst="rect">
             <a:avLst/>
           </a:prstGeom>
-          <a:noFill/>
+          <a:ln>
+            <a:noFill/>
+          </a:ln>
+          <a:effectLst>
+            <a:outerShdw blurRad="292100" dist="139700" dir="2700000" algn="tl" rotWithShape="0">
+              <a:srgbClr val="333333">
+                <a:alpha val="65000"/>
+              </a:srgbClr>
+            </a:outerShdw>
+          </a:effectLst>
         </p:spPr>
-        <p:txBody>
-          <a:bodyPr wrap="square">
-            <a:spAutoFit/>
-          </a:bodyPr>
-          <a:lstStyle/>
-          <a:p>
-            <a:r>
-              <a:rPr lang="da-DK" sz="1800" b="0" i="0" u="none" strike="noStrike" noProof="0" dirty="0">
-                <a:solidFill>
-                  <a:srgbClr val="00B0F0"/>
-                </a:solidFill>
-                <a:effectLst/>
-                <a:latin typeface="Aptos" panose="020B0004020202020204" pitchFamily="34" charset="0"/>
-              </a:rPr>
-              <a:t>Læring &amp; Motivation</a:t>
-            </a:r>
-            <a:endParaRPr lang="en-DK" dirty="0"/>
-          </a:p>
-        </p:txBody>
-      </p:sp>
-      <p:sp>
-        <p:nvSpPr>
-          <p:cNvPr id="11" name="TextBox 10">
-            <a:extLst>
-              <a:ext uri="{FF2B5EF4-FFF2-40B4-BE49-F238E27FC236}">
-                <a16:creationId xmlns:a16="http://schemas.microsoft.com/office/drawing/2014/main" id="{37C0F520-7189-5B10-2BC6-FC24B3EE2676}"/>
-              </a:ext>
-            </a:extLst>
-          </p:cNvPr>
-          <p:cNvSpPr txBox="1"/>
+      </p:pic>
+      <p:pic>
+        <p:nvPicPr>
+          <p:cNvPr id="8" name="Picture 7" descr="A white rectangular object with green text&#10;&#10;AI-generated content may be incorrect.">
+            <a:extLst>
+              <a:ext uri="{FF2B5EF4-FFF2-40B4-BE49-F238E27FC236}">
+                <a16:creationId xmlns:a16="http://schemas.microsoft.com/office/drawing/2014/main" id="{7EAC57D5-696B-4D89-B0B4-5523083C1128}"/>
+              </a:ext>
+            </a:extLst>
+          </p:cNvPr>
+          <p:cNvPicPr>
+            <a:picLocks noChangeAspect="1"/>
+          </p:cNvPicPr>
           <p:nvPr/>
-        </p:nvSpPr>
+        </p:nvPicPr>
+        <p:blipFill>
+          <a:blip r:embed="rId3"/>
+          <a:stretch>
+            <a:fillRect/>
+          </a:stretch>
+        </p:blipFill>
         <p:spPr>
           <a:xfrm>
-            <a:off x="8226942" y="1125100"/>
-            <a:ext cx="7697972" cy="369332"/>
+            <a:off x="5246557" y="2531211"/>
+            <a:ext cx="6727104" cy="1134571"/>
           </a:xfrm>
           <a:prstGeom prst="rect">
             <a:avLst/>
           </a:prstGeom>
-          <a:noFill/>
+          <a:ln>
+            <a:noFill/>
+          </a:ln>
+          <a:effectLst>
+            <a:outerShdw blurRad="292100" dist="139700" dir="2700000" algn="tl" rotWithShape="0">
+              <a:srgbClr val="333333">
+                <a:alpha val="65000"/>
+              </a:srgbClr>
+            </a:outerShdw>
+          </a:effectLst>
         </p:spPr>
-        <p:txBody>
-          <a:bodyPr wrap="square">
-            <a:spAutoFit/>
-          </a:bodyPr>
-          <a:lstStyle/>
-          <a:p>
-            <a:r>
-              <a:rPr lang="da-DK" sz="1800" b="0" i="0" u="none" strike="noStrike" noProof="0" dirty="0">
-                <a:solidFill>
-                  <a:srgbClr val="7030A0"/>
-                </a:solidFill>
-                <a:effectLst/>
-                <a:latin typeface="Aptos" panose="020B0004020202020204" pitchFamily="34" charset="0"/>
-              </a:rPr>
-              <a:t>Kernestof</a:t>
-            </a:r>
-            <a:endParaRPr lang="en-DK" dirty="0"/>
-          </a:p>
-        </p:txBody>
-      </p:sp>
+      </p:pic>
+      <p:pic>
+        <p:nvPicPr>
+          <p:cNvPr id="10" name="Picture 9" descr="A screenshot of a computer&#10;&#10;AI-generated content may be incorrect.">
+            <a:extLst>
+              <a:ext uri="{FF2B5EF4-FFF2-40B4-BE49-F238E27FC236}">
+                <a16:creationId xmlns:a16="http://schemas.microsoft.com/office/drawing/2014/main" id="{19DA0912-7B4F-691B-749A-748040E8C84B}"/>
+              </a:ext>
+            </a:extLst>
+          </p:cNvPr>
+          <p:cNvPicPr>
+            <a:picLocks noChangeAspect="1"/>
+          </p:cNvPicPr>
+          <p:nvPr/>
+        </p:nvPicPr>
+        <p:blipFill>
+          <a:blip r:embed="rId4"/>
+          <a:stretch>
+            <a:fillRect/>
+          </a:stretch>
+        </p:blipFill>
+        <p:spPr>
+          <a:xfrm>
+            <a:off x="6245737" y="3982803"/>
+            <a:ext cx="4728744" cy="2725982"/>
+          </a:xfrm>
+          <a:prstGeom prst="rect">
+            <a:avLst/>
+          </a:prstGeom>
+          <a:ln>
+            <a:noFill/>
+          </a:ln>
+          <a:effectLst>
+            <a:outerShdw blurRad="292100" dist="139700" dir="2700000" algn="tl" rotWithShape="0">
+              <a:srgbClr val="333333">
+                <a:alpha val="65000"/>
+              </a:srgbClr>
+            </a:outerShdw>
+          </a:effectLst>
+        </p:spPr>
+      </p:pic>
+      <p:cxnSp>
+        <p:nvCxnSpPr>
+          <p:cNvPr id="12" name="Straight Arrow Connector 11">
+            <a:extLst>
+              <a:ext uri="{FF2B5EF4-FFF2-40B4-BE49-F238E27FC236}">
+                <a16:creationId xmlns:a16="http://schemas.microsoft.com/office/drawing/2014/main" id="{5E6D4637-6914-C3D5-6F88-B300513602A3}"/>
+              </a:ext>
+            </a:extLst>
+          </p:cNvPr>
+          <p:cNvCxnSpPr/>
+          <p:nvPr/>
+        </p:nvCxnSpPr>
+        <p:spPr>
+          <a:xfrm flipV="1">
+            <a:off x="3766457" y="1077686"/>
+            <a:ext cx="1894114" cy="1453525"/>
+          </a:xfrm>
+          <a:prstGeom prst="straightConnector1">
+            <a:avLst/>
+          </a:prstGeom>
+          <a:ln>
+            <a:tailEnd type="triangle"/>
+          </a:ln>
+        </p:spPr>
+        <p:style>
+          <a:lnRef idx="2">
+            <a:schemeClr val="accent1"/>
+          </a:lnRef>
+          <a:fillRef idx="0">
+            <a:schemeClr val="accent1"/>
+          </a:fillRef>
+          <a:effectRef idx="1">
+            <a:schemeClr val="accent1"/>
+          </a:effectRef>
+          <a:fontRef idx="minor">
+            <a:schemeClr val="tx1"/>
+          </a:fontRef>
+        </p:style>
+      </p:cxnSp>
+      <p:cxnSp>
+        <p:nvCxnSpPr>
+          <p:cNvPr id="13" name="Straight Arrow Connector 12">
+            <a:extLst>
+              <a:ext uri="{FF2B5EF4-FFF2-40B4-BE49-F238E27FC236}">
+                <a16:creationId xmlns:a16="http://schemas.microsoft.com/office/drawing/2014/main" id="{1F733E52-3803-E111-0AB1-72D4E4DB0270}"/>
+              </a:ext>
+            </a:extLst>
+          </p:cNvPr>
+          <p:cNvCxnSpPr>
+            <a:cxnSpLocks/>
+            <a:endCxn id="8" idx="1"/>
+          </p:cNvCxnSpPr>
+          <p:nvPr/>
+        </p:nvCxnSpPr>
+        <p:spPr>
+          <a:xfrm flipV="1">
+            <a:off x="3352443" y="3098497"/>
+            <a:ext cx="1894114" cy="423314"/>
+          </a:xfrm>
+          <a:prstGeom prst="straightConnector1">
+            <a:avLst/>
+          </a:prstGeom>
+          <a:ln>
+            <a:tailEnd type="triangle"/>
+          </a:ln>
+        </p:spPr>
+        <p:style>
+          <a:lnRef idx="2">
+            <a:schemeClr val="accent1"/>
+          </a:lnRef>
+          <a:fillRef idx="0">
+            <a:schemeClr val="accent1"/>
+          </a:fillRef>
+          <a:effectRef idx="1">
+            <a:schemeClr val="accent1"/>
+          </a:effectRef>
+          <a:fontRef idx="minor">
+            <a:schemeClr val="tx1"/>
+          </a:fontRef>
+        </p:style>
+      </p:cxnSp>
+      <p:cxnSp>
+        <p:nvCxnSpPr>
+          <p:cNvPr id="15" name="Straight Arrow Connector 14">
+            <a:extLst>
+              <a:ext uri="{FF2B5EF4-FFF2-40B4-BE49-F238E27FC236}">
+                <a16:creationId xmlns:a16="http://schemas.microsoft.com/office/drawing/2014/main" id="{B16B22C1-541C-C149-2530-466D13CEC881}"/>
+              </a:ext>
+            </a:extLst>
+          </p:cNvPr>
+          <p:cNvCxnSpPr>
+            <a:cxnSpLocks/>
+          </p:cNvCxnSpPr>
+          <p:nvPr/>
+        </p:nvCxnSpPr>
+        <p:spPr>
+          <a:xfrm flipV="1">
+            <a:off x="3918679" y="3222996"/>
+            <a:ext cx="1380001" cy="989877"/>
+          </a:xfrm>
+          <a:prstGeom prst="straightConnector1">
+            <a:avLst/>
+          </a:prstGeom>
+          <a:ln>
+            <a:tailEnd type="triangle"/>
+          </a:ln>
+        </p:spPr>
+        <p:style>
+          <a:lnRef idx="2">
+            <a:schemeClr val="accent1"/>
+          </a:lnRef>
+          <a:fillRef idx="0">
+            <a:schemeClr val="accent1"/>
+          </a:fillRef>
+          <a:effectRef idx="1">
+            <a:schemeClr val="accent1"/>
+          </a:effectRef>
+          <a:fontRef idx="minor">
+            <a:schemeClr val="tx1"/>
+          </a:fontRef>
+        </p:style>
+      </p:cxnSp>
+      <p:cxnSp>
+        <p:nvCxnSpPr>
+          <p:cNvPr id="18" name="Straight Arrow Connector 17">
+            <a:extLst>
+              <a:ext uri="{FF2B5EF4-FFF2-40B4-BE49-F238E27FC236}">
+                <a16:creationId xmlns:a16="http://schemas.microsoft.com/office/drawing/2014/main" id="{80B3E597-C387-8E8D-1904-EF261EE2CB30}"/>
+              </a:ext>
+            </a:extLst>
+          </p:cNvPr>
+          <p:cNvCxnSpPr>
+            <a:cxnSpLocks/>
+          </p:cNvCxnSpPr>
+          <p:nvPr/>
+        </p:nvCxnSpPr>
+        <p:spPr>
+          <a:xfrm>
+            <a:off x="3849521" y="5202750"/>
+            <a:ext cx="3280622" cy="884158"/>
+          </a:xfrm>
+          <a:prstGeom prst="straightConnector1">
+            <a:avLst/>
+          </a:prstGeom>
+          <a:ln>
+            <a:tailEnd type="triangle"/>
+          </a:ln>
+        </p:spPr>
+        <p:style>
+          <a:lnRef idx="2">
+            <a:schemeClr val="accent1"/>
+          </a:lnRef>
+          <a:fillRef idx="0">
+            <a:schemeClr val="accent1"/>
+          </a:fillRef>
+          <a:effectRef idx="1">
+            <a:schemeClr val="accent1"/>
+          </a:effectRef>
+          <a:fontRef idx="minor">
+            <a:schemeClr val="tx1"/>
+          </a:fontRef>
+        </p:style>
+      </p:cxnSp>
     </p:spTree>
     <p:extLst>
       <p:ext uri="{BB962C8B-B14F-4D97-AF65-F5344CB8AC3E}">
-        <p14:creationId xmlns:p14="http://schemas.microsoft.com/office/powerpoint/2010/main" val="9363418"/>
+        <p14:creationId xmlns:p14="http://schemas.microsoft.com/office/powerpoint/2010/main" val="2033213091"/>
       </p:ext>
     </p:extLst>
   </p:cSld>
@@ -4583,6 +4927,236 @@
       </p:grpSpPr>
       <p:pic>
         <p:nvPicPr>
+          <p:cNvPr id="7" name="Picture 6" descr="A white paper with black text and black text&#10;&#10;AI-generated content may be incorrect.">
+            <a:extLst>
+              <a:ext uri="{FF2B5EF4-FFF2-40B4-BE49-F238E27FC236}">
+                <a16:creationId xmlns:a16="http://schemas.microsoft.com/office/drawing/2014/main" id="{6D8EC390-6EA6-177F-A0C8-07E7E27D96F6}"/>
+              </a:ext>
+            </a:extLst>
+          </p:cNvPr>
+          <p:cNvPicPr>
+            <a:picLocks noChangeAspect="1"/>
+          </p:cNvPicPr>
+          <p:nvPr/>
+        </p:nvPicPr>
+        <p:blipFill>
+          <a:blip r:embed="rId2"/>
+          <a:stretch>
+            <a:fillRect/>
+          </a:stretch>
+        </p:blipFill>
+        <p:spPr>
+          <a:xfrm>
+            <a:off x="4211195" y="442321"/>
+            <a:ext cx="7772400" cy="3105306"/>
+          </a:xfrm>
+          <a:prstGeom prst="rect">
+            <a:avLst/>
+          </a:prstGeom>
+          <a:ln>
+            <a:noFill/>
+          </a:ln>
+          <a:effectLst>
+            <a:outerShdw blurRad="292100" dist="139700" dir="2700000" algn="tl" rotWithShape="0">
+              <a:srgbClr val="333333">
+                <a:alpha val="65000"/>
+              </a:srgbClr>
+            </a:outerShdw>
+          </a:effectLst>
+        </p:spPr>
+      </p:pic>
+      <p:pic>
+        <p:nvPicPr>
+          <p:cNvPr id="10" name="Picture 9" descr="A screenshot of a computer&#10;&#10;AI-generated content may be incorrect.">
+            <a:extLst>
+              <a:ext uri="{FF2B5EF4-FFF2-40B4-BE49-F238E27FC236}">
+                <a16:creationId xmlns:a16="http://schemas.microsoft.com/office/drawing/2014/main" id="{7AFAF2FF-5A3D-30DB-109C-320098EFA9CA}"/>
+              </a:ext>
+            </a:extLst>
+          </p:cNvPr>
+          <p:cNvPicPr>
+            <a:picLocks noChangeAspect="1"/>
+          </p:cNvPicPr>
+          <p:nvPr/>
+        </p:nvPicPr>
+        <p:blipFill>
+          <a:blip r:embed="rId3"/>
+          <a:stretch>
+            <a:fillRect/>
+          </a:stretch>
+        </p:blipFill>
+        <p:spPr>
+          <a:xfrm>
+            <a:off x="3973328" y="4092647"/>
+            <a:ext cx="8010267" cy="2092093"/>
+          </a:xfrm>
+          <a:prstGeom prst="rect">
+            <a:avLst/>
+          </a:prstGeom>
+          <a:ln>
+            <a:noFill/>
+          </a:ln>
+          <a:effectLst>
+            <a:outerShdw blurRad="292100" dist="139700" dir="2700000" algn="tl" rotWithShape="0">
+              <a:srgbClr val="333333">
+                <a:alpha val="65000"/>
+              </a:srgbClr>
+            </a:outerShdw>
+          </a:effectLst>
+        </p:spPr>
+      </p:pic>
+      <p:sp>
+        <p:nvSpPr>
+          <p:cNvPr id="11" name="TextBox 10">
+            <a:extLst>
+              <a:ext uri="{FF2B5EF4-FFF2-40B4-BE49-F238E27FC236}">
+                <a16:creationId xmlns:a16="http://schemas.microsoft.com/office/drawing/2014/main" id="{27A3E040-344A-F872-7A9D-15C26F76D1C5}"/>
+              </a:ext>
+            </a:extLst>
+          </p:cNvPr>
+          <p:cNvSpPr txBox="1"/>
+          <p:nvPr/>
+        </p:nvSpPr>
+        <p:spPr>
+          <a:xfrm>
+            <a:off x="531628" y="1286540"/>
+            <a:ext cx="3125972" cy="923330"/>
+          </a:xfrm>
+          <a:prstGeom prst="rect">
+            <a:avLst/>
+          </a:prstGeom>
+          <a:noFill/>
+        </p:spPr>
+        <p:txBody>
+          <a:bodyPr wrap="square" rtlCol="0">
+            <a:spAutoFit/>
+          </a:bodyPr>
+          <a:lstStyle/>
+          <a:p>
+            <a:r>
+              <a:rPr lang="en-DK" dirty="0"/>
+              <a:t>Kerne materiale beskrevet </a:t>
+            </a:r>
+            <a:r>
+              <a:rPr lang="en-GB" dirty="0"/>
+              <a:t>I</a:t>
+            </a:r>
+            <a:r>
+              <a:rPr lang="en-DK" dirty="0"/>
+              <a:t> notebooken – ikke bare rå kode. </a:t>
+            </a:r>
+          </a:p>
+        </p:txBody>
+      </p:sp>
+      <p:sp>
+        <p:nvSpPr>
+          <p:cNvPr id="12" name="TextBox 11">
+            <a:extLst>
+              <a:ext uri="{FF2B5EF4-FFF2-40B4-BE49-F238E27FC236}">
+                <a16:creationId xmlns:a16="http://schemas.microsoft.com/office/drawing/2014/main" id="{BA4D704E-4C8E-E9BF-40E4-3C77CB342609}"/>
+              </a:ext>
+            </a:extLst>
+          </p:cNvPr>
+          <p:cNvSpPr txBox="1"/>
+          <p:nvPr/>
+        </p:nvSpPr>
+        <p:spPr>
+          <a:xfrm>
+            <a:off x="531628" y="4447954"/>
+            <a:ext cx="3125972" cy="923330"/>
+          </a:xfrm>
+          <a:prstGeom prst="rect">
+            <a:avLst/>
+          </a:prstGeom>
+          <a:noFill/>
+        </p:spPr>
+        <p:txBody>
+          <a:bodyPr wrap="square" rtlCol="0">
+            <a:spAutoFit/>
+          </a:bodyPr>
+          <a:lstStyle/>
+          <a:p>
+            <a:r>
+              <a:rPr lang="en-DK" dirty="0"/>
+              <a:t>Opgaver der ikke involvere at skrive kode kan være en del af en notebook.</a:t>
+            </a:r>
+          </a:p>
+        </p:txBody>
+      </p:sp>
+      <p:sp>
+        <p:nvSpPr>
+          <p:cNvPr id="13" name="TextBox 12">
+            <a:extLst>
+              <a:ext uri="{FF2B5EF4-FFF2-40B4-BE49-F238E27FC236}">
+                <a16:creationId xmlns:a16="http://schemas.microsoft.com/office/drawing/2014/main" id="{2A401D7D-E180-408A-0928-51BCC5A30642}"/>
+              </a:ext>
+            </a:extLst>
+          </p:cNvPr>
+          <p:cNvSpPr txBox="1"/>
+          <p:nvPr/>
+        </p:nvSpPr>
+        <p:spPr>
+          <a:xfrm>
+            <a:off x="362209" y="303928"/>
+            <a:ext cx="7697972" cy="369332"/>
+          </a:xfrm>
+          <a:prstGeom prst="rect">
+            <a:avLst/>
+          </a:prstGeom>
+          <a:noFill/>
+        </p:spPr>
+        <p:txBody>
+          <a:bodyPr wrap="square">
+            <a:spAutoFit/>
+          </a:bodyPr>
+          <a:lstStyle/>
+          <a:p>
+            <a:r>
+              <a:rPr lang="da-DK" sz="1800" b="0" i="0" u="none" strike="noStrike" noProof="0" dirty="0">
+                <a:solidFill>
+                  <a:srgbClr val="7030A0"/>
+                </a:solidFill>
+                <a:effectLst/>
+                <a:latin typeface="Aptos" panose="020B0004020202020204" pitchFamily="34" charset="0"/>
+              </a:rPr>
+              <a:t>Kernestof</a:t>
+            </a:r>
+            <a:endParaRPr lang="en-DK" dirty="0"/>
+          </a:p>
+        </p:txBody>
+      </p:sp>
+    </p:spTree>
+    <p:extLst>
+      <p:ext uri="{BB962C8B-B14F-4D97-AF65-F5344CB8AC3E}">
+        <p14:creationId xmlns:p14="http://schemas.microsoft.com/office/powerpoint/2010/main" val="923088997"/>
+      </p:ext>
+    </p:extLst>
+  </p:cSld>
+  <p:clrMapOvr>
+    <a:masterClrMapping/>
+  </p:clrMapOvr>
+</p:sld>
+</file>
+
+<file path=ppt/slides/slide5.xml><?xml version="1.0" encoding="utf-8"?>
+<p:sld xmlns:a="http://schemas.openxmlformats.org/drawingml/2006/main" xmlns:r="http://schemas.openxmlformats.org/officeDocument/2006/relationships" xmlns:p="http://schemas.openxmlformats.org/presentationml/2006/main">
+  <p:cSld>
+    <p:spTree>
+      <p:nvGrpSpPr>
+        <p:cNvPr id="1" name=""/>
+        <p:cNvGrpSpPr/>
+        <p:nvPr/>
+      </p:nvGrpSpPr>
+      <p:grpSpPr>
+        <a:xfrm>
+          <a:off x="0" y="0"/>
+          <a:ext cx="0" cy="0"/>
+          <a:chOff x="0" y="0"/>
+          <a:chExt cx="0" cy="0"/>
+        </a:xfrm>
+      </p:grpSpPr>
+      <p:pic>
+        <p:nvPicPr>
           <p:cNvPr id="5" name="Picture 4" descr="A screenshot of a computer code&#10;&#10;AI-generated content may be incorrect.">
             <a:extLst>
               <a:ext uri="{FF2B5EF4-FFF2-40B4-BE49-F238E27FC236}">
@@ -4853,7 +5427,7 @@
 </p:sld>
 </file>
 
-<file path=ppt/slides/slide5.xml><?xml version="1.0" encoding="utf-8"?>
+<file path=ppt/slides/slide6.xml><?xml version="1.0" encoding="utf-8"?>
 <p:sld xmlns:a="http://schemas.openxmlformats.org/drawingml/2006/main" xmlns:r="http://schemas.openxmlformats.org/officeDocument/2006/relationships" xmlns:p="http://schemas.openxmlformats.org/presentationml/2006/main">
   <p:cSld>
     <p:spTree>
@@ -5182,7 +5756,7 @@
 </p:sld>
 </file>
 
-<file path=ppt/slides/slide6.xml><?xml version="1.0" encoding="utf-8"?>
+<file path=ppt/slides/slide7.xml><?xml version="1.0" encoding="utf-8"?>
 <p:sld xmlns:a="http://schemas.openxmlformats.org/drawingml/2006/main" xmlns:r="http://schemas.openxmlformats.org/officeDocument/2006/relationships" xmlns:p="http://schemas.openxmlformats.org/presentationml/2006/main">
   <p:cSld>
     <p:spTree>
@@ -5750,7 +6324,7 @@
 </p:sld>
 </file>
 
-<file path=ppt/slides/slide7.xml><?xml version="1.0" encoding="utf-8"?>
+<file path=ppt/slides/slide8.xml><?xml version="1.0" encoding="utf-8"?>
 <p:sld xmlns:a="http://schemas.openxmlformats.org/drawingml/2006/main" xmlns:r="http://schemas.openxmlformats.org/officeDocument/2006/relationships" xmlns:p="http://schemas.openxmlformats.org/presentationml/2006/main">
   <p:cSld>
     <p:spTree>
@@ -5935,6 +6509,16 @@
           <a:prstGeom prst="rect">
             <a:avLst/>
           </a:prstGeom>
+          <a:ln>
+            <a:noFill/>
+          </a:ln>
+          <a:effectLst>
+            <a:outerShdw blurRad="292100" dist="139700" dir="2700000" algn="tl" rotWithShape="0">
+              <a:srgbClr val="333333">
+                <a:alpha val="65000"/>
+              </a:srgbClr>
+            </a:outerShdw>
+          </a:effectLst>
         </p:spPr>
       </p:pic>
       <p:cxnSp>
@@ -6247,6 +6831,47 @@
           </a:p>
         </p:txBody>
       </p:sp>
+      <p:cxnSp>
+        <p:nvCxnSpPr>
+          <p:cNvPr id="31" name="Straight Arrow Connector 30">
+            <a:extLst>
+              <a:ext uri="{FF2B5EF4-FFF2-40B4-BE49-F238E27FC236}">
+                <a16:creationId xmlns:a16="http://schemas.microsoft.com/office/drawing/2014/main" id="{5DA462EC-006E-7736-5C5F-CE91892BC392}"/>
+              </a:ext>
+            </a:extLst>
+          </p:cNvPr>
+          <p:cNvCxnSpPr>
+            <a:cxnSpLocks/>
+          </p:cNvCxnSpPr>
+          <p:nvPr/>
+        </p:nvCxnSpPr>
+        <p:spPr>
+          <a:xfrm flipH="1">
+            <a:off x="10189535" y="1404901"/>
+            <a:ext cx="411125" cy="3018243"/>
+          </a:xfrm>
+          <a:prstGeom prst="straightConnector1">
+            <a:avLst/>
+          </a:prstGeom>
+          <a:ln>
+            <a:tailEnd type="triangle"/>
+          </a:ln>
+        </p:spPr>
+        <p:style>
+          <a:lnRef idx="2">
+            <a:schemeClr val="accent1"/>
+          </a:lnRef>
+          <a:fillRef idx="0">
+            <a:schemeClr val="accent1"/>
+          </a:fillRef>
+          <a:effectRef idx="1">
+            <a:schemeClr val="accent1"/>
+          </a:effectRef>
+          <a:fontRef idx="minor">
+            <a:schemeClr val="tx1"/>
+          </a:fontRef>
+        </p:style>
+      </p:cxnSp>
     </p:spTree>
     <p:extLst>
       <p:ext uri="{BB962C8B-B14F-4D97-AF65-F5344CB8AC3E}">
@@ -6260,7 +6885,7 @@
 </p:sld>
 </file>
 
-<file path=ppt/slides/slide8.xml><?xml version="1.0" encoding="utf-8"?>
+<file path=ppt/slides/slide9.xml><?xml version="1.0" encoding="utf-8"?>
 <p:sld xmlns:a="http://schemas.openxmlformats.org/drawingml/2006/main" xmlns:r="http://schemas.openxmlformats.org/officeDocument/2006/relationships" xmlns:p="http://schemas.openxmlformats.org/presentationml/2006/main">
   <p:cSld>
     <p:spTree>
@@ -6291,7 +6916,7 @@
         </p:nvSpPr>
         <p:spPr>
           <a:xfrm>
-            <a:off x="765544" y="733647"/>
+            <a:off x="1350090" y="693187"/>
             <a:ext cx="4072270" cy="5632311"/>
           </a:xfrm>
           <a:prstGeom prst="rect">
@@ -6328,7 +6953,7 @@
             </a:r>
             <a:r>
               <a:rPr lang="en-DK" dirty="0"/>
-              <a:t> stedet</a:t>
+              <a:t> stedet for dette perfekte data</a:t>
             </a:r>
           </a:p>
           <a:p>
@@ -6388,6 +7013,3806 @@
           </a:p>
         </p:txBody>
       </p:sp>
+      <p:grpSp>
+        <p:nvGrpSpPr>
+          <p:cNvPr id="82" name="Group 81">
+            <a:extLst>
+              <a:ext uri="{FF2B5EF4-FFF2-40B4-BE49-F238E27FC236}">
+                <a16:creationId xmlns:a16="http://schemas.microsoft.com/office/drawing/2014/main" id="{4D0E546E-0DBA-0D48-73A4-96F1544EED35}"/>
+              </a:ext>
+            </a:extLst>
+          </p:cNvPr>
+          <p:cNvGrpSpPr/>
+          <p:nvPr/>
+        </p:nvGrpSpPr>
+        <p:grpSpPr>
+          <a:xfrm>
+            <a:off x="5670690" y="648588"/>
+            <a:ext cx="6108284" cy="5442121"/>
+            <a:chOff x="5947140" y="404037"/>
+            <a:chExt cx="6108284" cy="5442121"/>
+          </a:xfrm>
+        </p:grpSpPr>
+        <p:cxnSp>
+          <p:nvCxnSpPr>
+            <p:cNvPr id="6" name="Straight Arrow Connector 5">
+              <a:extLst>
+                <a:ext uri="{FF2B5EF4-FFF2-40B4-BE49-F238E27FC236}">
+                  <a16:creationId xmlns:a16="http://schemas.microsoft.com/office/drawing/2014/main" id="{5706DCB4-509A-DDD3-D0ED-41885DDAFC4E}"/>
+                </a:ext>
+              </a:extLst>
+            </p:cNvPr>
+            <p:cNvCxnSpPr/>
+            <p:nvPr/>
+          </p:nvCxnSpPr>
+          <p:spPr>
+            <a:xfrm>
+              <a:off x="5947140" y="1945758"/>
+              <a:ext cx="1857153" cy="0"/>
+            </a:xfrm>
+            <a:prstGeom prst="straightConnector1">
+              <a:avLst/>
+            </a:prstGeom>
+            <a:ln w="38100">
+              <a:tailEnd type="triangle"/>
+            </a:ln>
+          </p:spPr>
+          <p:style>
+            <a:lnRef idx="2">
+              <a:schemeClr val="accent1"/>
+            </a:lnRef>
+            <a:fillRef idx="0">
+              <a:schemeClr val="accent1"/>
+            </a:fillRef>
+            <a:effectRef idx="1">
+              <a:schemeClr val="accent1"/>
+            </a:effectRef>
+            <a:fontRef idx="minor">
+              <a:schemeClr val="tx1"/>
+            </a:fontRef>
+          </p:style>
+        </p:cxnSp>
+        <p:cxnSp>
+          <p:nvCxnSpPr>
+            <p:cNvPr id="7" name="Straight Arrow Connector 6">
+              <a:extLst>
+                <a:ext uri="{FF2B5EF4-FFF2-40B4-BE49-F238E27FC236}">
+                  <a16:creationId xmlns:a16="http://schemas.microsoft.com/office/drawing/2014/main" id="{202B5DEB-E287-E792-040E-21037FE3B84A}"/>
+                </a:ext>
+              </a:extLst>
+            </p:cNvPr>
+            <p:cNvCxnSpPr>
+              <a:cxnSpLocks/>
+            </p:cNvCxnSpPr>
+            <p:nvPr/>
+          </p:nvCxnSpPr>
+          <p:spPr>
+            <a:xfrm flipV="1">
+              <a:off x="5947140" y="404037"/>
+              <a:ext cx="0" cy="1541721"/>
+            </a:xfrm>
+            <a:prstGeom prst="straightConnector1">
+              <a:avLst/>
+            </a:prstGeom>
+            <a:ln w="38100">
+              <a:tailEnd type="triangle"/>
+            </a:ln>
+          </p:spPr>
+          <p:style>
+            <a:lnRef idx="2">
+              <a:schemeClr val="accent1"/>
+            </a:lnRef>
+            <a:fillRef idx="0">
+              <a:schemeClr val="accent1"/>
+            </a:fillRef>
+            <a:effectRef idx="1">
+              <a:schemeClr val="accent1"/>
+            </a:effectRef>
+            <a:fontRef idx="minor">
+              <a:schemeClr val="tx1"/>
+            </a:fontRef>
+          </p:style>
+        </p:cxnSp>
+        <p:sp>
+          <p:nvSpPr>
+            <p:cNvPr id="9" name="Oval 8">
+              <a:extLst>
+                <a:ext uri="{FF2B5EF4-FFF2-40B4-BE49-F238E27FC236}">
+                  <a16:creationId xmlns:a16="http://schemas.microsoft.com/office/drawing/2014/main" id="{33F23BCB-8240-0281-7F6A-8F82EE02BE30}"/>
+                </a:ext>
+              </a:extLst>
+            </p:cNvPr>
+            <p:cNvSpPr/>
+            <p:nvPr/>
+          </p:nvSpPr>
+          <p:spPr>
+            <a:xfrm>
+              <a:off x="6071191" y="1729556"/>
+              <a:ext cx="99237" cy="99237"/>
+            </a:xfrm>
+            <a:prstGeom prst="ellipse">
+              <a:avLst/>
+            </a:prstGeom>
+            <a:solidFill>
+              <a:srgbClr val="FF0000"/>
+            </a:solidFill>
+            <a:ln w="3175">
+              <a:solidFill>
+                <a:schemeClr val="tx1">
+                  <a:lumMod val="95000"/>
+                  <a:lumOff val="5000"/>
+                </a:schemeClr>
+              </a:solidFill>
+            </a:ln>
+          </p:spPr>
+          <p:style>
+            <a:lnRef idx="2">
+              <a:schemeClr val="accent1">
+                <a:shade val="15000"/>
+              </a:schemeClr>
+            </a:lnRef>
+            <a:fillRef idx="1">
+              <a:schemeClr val="accent1"/>
+            </a:fillRef>
+            <a:effectRef idx="0">
+              <a:schemeClr val="accent1"/>
+            </a:effectRef>
+            <a:fontRef idx="minor">
+              <a:schemeClr val="lt1"/>
+            </a:fontRef>
+          </p:style>
+          <p:txBody>
+            <a:bodyPr rtlCol="0" anchor="ctr"/>
+            <a:lstStyle/>
+            <a:p>
+              <a:pPr algn="ctr"/>
+              <a:endParaRPr lang="en-DK"/>
+            </a:p>
+          </p:txBody>
+        </p:sp>
+        <p:sp>
+          <p:nvSpPr>
+            <p:cNvPr id="10" name="Oval 9">
+              <a:extLst>
+                <a:ext uri="{FF2B5EF4-FFF2-40B4-BE49-F238E27FC236}">
+                  <a16:creationId xmlns:a16="http://schemas.microsoft.com/office/drawing/2014/main" id="{A12AF2DD-70BB-B777-C54B-7234CACC537A}"/>
+                </a:ext>
+              </a:extLst>
+            </p:cNvPr>
+            <p:cNvSpPr/>
+            <p:nvPr/>
+          </p:nvSpPr>
+          <p:spPr>
+            <a:xfrm>
+              <a:off x="6220041" y="1485011"/>
+              <a:ext cx="99237" cy="99237"/>
+            </a:xfrm>
+            <a:prstGeom prst="ellipse">
+              <a:avLst/>
+            </a:prstGeom>
+            <a:solidFill>
+              <a:srgbClr val="FF0000"/>
+            </a:solidFill>
+            <a:ln w="3175">
+              <a:solidFill>
+                <a:schemeClr val="tx1">
+                  <a:lumMod val="95000"/>
+                  <a:lumOff val="5000"/>
+                </a:schemeClr>
+              </a:solidFill>
+            </a:ln>
+          </p:spPr>
+          <p:style>
+            <a:lnRef idx="2">
+              <a:schemeClr val="accent1">
+                <a:shade val="15000"/>
+              </a:schemeClr>
+            </a:lnRef>
+            <a:fillRef idx="1">
+              <a:schemeClr val="accent1"/>
+            </a:fillRef>
+            <a:effectRef idx="0">
+              <a:schemeClr val="accent1"/>
+            </a:effectRef>
+            <a:fontRef idx="minor">
+              <a:schemeClr val="lt1"/>
+            </a:fontRef>
+          </p:style>
+          <p:txBody>
+            <a:bodyPr rtlCol="0" anchor="ctr"/>
+            <a:lstStyle/>
+            <a:p>
+              <a:pPr algn="ctr"/>
+              <a:endParaRPr lang="en-DK"/>
+            </a:p>
+          </p:txBody>
+        </p:sp>
+        <p:sp>
+          <p:nvSpPr>
+            <p:cNvPr id="11" name="Oval 10">
+              <a:extLst>
+                <a:ext uri="{FF2B5EF4-FFF2-40B4-BE49-F238E27FC236}">
+                  <a16:creationId xmlns:a16="http://schemas.microsoft.com/office/drawing/2014/main" id="{E2DF9482-73BF-54E5-EFB6-437142D588E7}"/>
+                </a:ext>
+              </a:extLst>
+            </p:cNvPr>
+            <p:cNvSpPr/>
+            <p:nvPr/>
+          </p:nvSpPr>
+          <p:spPr>
+            <a:xfrm>
+              <a:off x="6528388" y="1208562"/>
+              <a:ext cx="99237" cy="99237"/>
+            </a:xfrm>
+            <a:prstGeom prst="ellipse">
+              <a:avLst/>
+            </a:prstGeom>
+            <a:solidFill>
+              <a:srgbClr val="FF0000"/>
+            </a:solidFill>
+            <a:ln w="3175">
+              <a:solidFill>
+                <a:schemeClr val="tx1">
+                  <a:lumMod val="95000"/>
+                  <a:lumOff val="5000"/>
+                </a:schemeClr>
+              </a:solidFill>
+            </a:ln>
+          </p:spPr>
+          <p:style>
+            <a:lnRef idx="2">
+              <a:schemeClr val="accent1">
+                <a:shade val="15000"/>
+              </a:schemeClr>
+            </a:lnRef>
+            <a:fillRef idx="1">
+              <a:schemeClr val="accent1"/>
+            </a:fillRef>
+            <a:effectRef idx="0">
+              <a:schemeClr val="accent1"/>
+            </a:effectRef>
+            <a:fontRef idx="minor">
+              <a:schemeClr val="lt1"/>
+            </a:fontRef>
+          </p:style>
+          <p:txBody>
+            <a:bodyPr rtlCol="0" anchor="ctr"/>
+            <a:lstStyle/>
+            <a:p>
+              <a:pPr algn="ctr"/>
+              <a:endParaRPr lang="en-DK"/>
+            </a:p>
+          </p:txBody>
+        </p:sp>
+        <p:sp>
+          <p:nvSpPr>
+            <p:cNvPr id="12" name="Oval 11">
+              <a:extLst>
+                <a:ext uri="{FF2B5EF4-FFF2-40B4-BE49-F238E27FC236}">
+                  <a16:creationId xmlns:a16="http://schemas.microsoft.com/office/drawing/2014/main" id="{C9E5ACEE-9743-0F51-51A0-1FD693A7C70C}"/>
+                </a:ext>
+              </a:extLst>
+            </p:cNvPr>
+            <p:cNvSpPr/>
+            <p:nvPr/>
+          </p:nvSpPr>
+          <p:spPr>
+            <a:xfrm>
+              <a:off x="6889890" y="1102234"/>
+              <a:ext cx="99237" cy="99237"/>
+            </a:xfrm>
+            <a:prstGeom prst="ellipse">
+              <a:avLst/>
+            </a:prstGeom>
+            <a:solidFill>
+              <a:srgbClr val="FF0000"/>
+            </a:solidFill>
+            <a:ln w="3175">
+              <a:solidFill>
+                <a:schemeClr val="tx1">
+                  <a:lumMod val="95000"/>
+                  <a:lumOff val="5000"/>
+                </a:schemeClr>
+              </a:solidFill>
+            </a:ln>
+          </p:spPr>
+          <p:style>
+            <a:lnRef idx="2">
+              <a:schemeClr val="accent1">
+                <a:shade val="15000"/>
+              </a:schemeClr>
+            </a:lnRef>
+            <a:fillRef idx="1">
+              <a:schemeClr val="accent1"/>
+            </a:fillRef>
+            <a:effectRef idx="0">
+              <a:schemeClr val="accent1"/>
+            </a:effectRef>
+            <a:fontRef idx="minor">
+              <a:schemeClr val="lt1"/>
+            </a:fontRef>
+          </p:style>
+          <p:txBody>
+            <a:bodyPr rtlCol="0" anchor="ctr"/>
+            <a:lstStyle/>
+            <a:p>
+              <a:pPr algn="ctr"/>
+              <a:endParaRPr lang="en-DK"/>
+            </a:p>
+          </p:txBody>
+        </p:sp>
+        <p:sp>
+          <p:nvSpPr>
+            <p:cNvPr id="13" name="Oval 12">
+              <a:extLst>
+                <a:ext uri="{FF2B5EF4-FFF2-40B4-BE49-F238E27FC236}">
+                  <a16:creationId xmlns:a16="http://schemas.microsoft.com/office/drawing/2014/main" id="{E9838A68-08AA-DFE8-8D19-1A565F32F0A6}"/>
+                </a:ext>
+              </a:extLst>
+            </p:cNvPr>
+            <p:cNvSpPr/>
+            <p:nvPr/>
+          </p:nvSpPr>
+          <p:spPr>
+            <a:xfrm>
+              <a:off x="7283300" y="1070334"/>
+              <a:ext cx="99237" cy="99237"/>
+            </a:xfrm>
+            <a:prstGeom prst="ellipse">
+              <a:avLst/>
+            </a:prstGeom>
+            <a:solidFill>
+              <a:srgbClr val="FF0000"/>
+            </a:solidFill>
+            <a:ln w="3175">
+              <a:solidFill>
+                <a:schemeClr val="tx1">
+                  <a:lumMod val="95000"/>
+                  <a:lumOff val="5000"/>
+                </a:schemeClr>
+              </a:solidFill>
+            </a:ln>
+          </p:spPr>
+          <p:style>
+            <a:lnRef idx="2">
+              <a:schemeClr val="accent1">
+                <a:shade val="15000"/>
+              </a:schemeClr>
+            </a:lnRef>
+            <a:fillRef idx="1">
+              <a:schemeClr val="accent1"/>
+            </a:fillRef>
+            <a:effectRef idx="0">
+              <a:schemeClr val="accent1"/>
+            </a:effectRef>
+            <a:fontRef idx="minor">
+              <a:schemeClr val="lt1"/>
+            </a:fontRef>
+          </p:style>
+          <p:txBody>
+            <a:bodyPr rtlCol="0" anchor="ctr"/>
+            <a:lstStyle/>
+            <a:p>
+              <a:pPr algn="ctr"/>
+              <a:endParaRPr lang="en-DK"/>
+            </a:p>
+          </p:txBody>
+        </p:sp>
+        <p:pic>
+          <p:nvPicPr>
+            <p:cNvPr id="15" name="Graphic 14" descr="Tick with solid fill">
+              <a:extLst>
+                <a:ext uri="{FF2B5EF4-FFF2-40B4-BE49-F238E27FC236}">
+                  <a16:creationId xmlns:a16="http://schemas.microsoft.com/office/drawing/2014/main" id="{E8B730E9-56DB-1F41-B33C-2CA2D03342D3}"/>
+                </a:ext>
+              </a:extLst>
+            </p:cNvPr>
+            <p:cNvPicPr>
+              <a:picLocks noChangeAspect="1"/>
+            </p:cNvPicPr>
+            <p:nvPr/>
+          </p:nvPicPr>
+          <p:blipFill>
+            <a:blip r:embed="rId2">
+              <a:extLst>
+                <a:ext uri="{96DAC541-7B7A-43D3-8B79-37D633B846F1}">
+                  <asvg:svgBlip xmlns:asvg="http://schemas.microsoft.com/office/drawing/2016/SVG/main" r:embed="rId3"/>
+                </a:ext>
+              </a:extLst>
+            </a:blip>
+            <a:stretch>
+              <a:fillRect/>
+            </a:stretch>
+          </p:blipFill>
+          <p:spPr>
+            <a:xfrm>
+              <a:off x="6253829" y="685914"/>
+              <a:ext cx="1079089" cy="1079089"/>
+            </a:xfrm>
+            <a:prstGeom prst="rect">
+              <a:avLst/>
+            </a:prstGeom>
+          </p:spPr>
+        </p:pic>
+        <p:cxnSp>
+          <p:nvCxnSpPr>
+            <p:cNvPr id="16" name="Straight Arrow Connector 15">
+              <a:extLst>
+                <a:ext uri="{FF2B5EF4-FFF2-40B4-BE49-F238E27FC236}">
+                  <a16:creationId xmlns:a16="http://schemas.microsoft.com/office/drawing/2014/main" id="{0AF4A656-2D54-0CD9-DC0D-5C656B167B1D}"/>
+                </a:ext>
+              </a:extLst>
+            </p:cNvPr>
+            <p:cNvCxnSpPr/>
+            <p:nvPr/>
+          </p:nvCxnSpPr>
+          <p:spPr>
+            <a:xfrm>
+              <a:off x="7968979" y="1945758"/>
+              <a:ext cx="1857153" cy="0"/>
+            </a:xfrm>
+            <a:prstGeom prst="straightConnector1">
+              <a:avLst/>
+            </a:prstGeom>
+            <a:ln w="38100">
+              <a:tailEnd type="triangle"/>
+            </a:ln>
+          </p:spPr>
+          <p:style>
+            <a:lnRef idx="2">
+              <a:schemeClr val="accent1"/>
+            </a:lnRef>
+            <a:fillRef idx="0">
+              <a:schemeClr val="accent1"/>
+            </a:fillRef>
+            <a:effectRef idx="1">
+              <a:schemeClr val="accent1"/>
+            </a:effectRef>
+            <a:fontRef idx="minor">
+              <a:schemeClr val="tx1"/>
+            </a:fontRef>
+          </p:style>
+        </p:cxnSp>
+        <p:cxnSp>
+          <p:nvCxnSpPr>
+            <p:cNvPr id="17" name="Straight Arrow Connector 16">
+              <a:extLst>
+                <a:ext uri="{FF2B5EF4-FFF2-40B4-BE49-F238E27FC236}">
+                  <a16:creationId xmlns:a16="http://schemas.microsoft.com/office/drawing/2014/main" id="{B52C9551-CE2F-289F-96D9-6677959C0648}"/>
+                </a:ext>
+              </a:extLst>
+            </p:cNvPr>
+            <p:cNvCxnSpPr>
+              <a:cxnSpLocks/>
+            </p:cNvCxnSpPr>
+            <p:nvPr/>
+          </p:nvCxnSpPr>
+          <p:spPr>
+            <a:xfrm flipV="1">
+              <a:off x="7968979" y="404037"/>
+              <a:ext cx="0" cy="1541721"/>
+            </a:xfrm>
+            <a:prstGeom prst="straightConnector1">
+              <a:avLst/>
+            </a:prstGeom>
+            <a:ln w="38100">
+              <a:tailEnd type="triangle"/>
+            </a:ln>
+          </p:spPr>
+          <p:style>
+            <a:lnRef idx="2">
+              <a:schemeClr val="accent1"/>
+            </a:lnRef>
+            <a:fillRef idx="0">
+              <a:schemeClr val="accent1"/>
+            </a:fillRef>
+            <a:effectRef idx="1">
+              <a:schemeClr val="accent1"/>
+            </a:effectRef>
+            <a:fontRef idx="minor">
+              <a:schemeClr val="tx1"/>
+            </a:fontRef>
+          </p:style>
+        </p:cxnSp>
+        <p:sp>
+          <p:nvSpPr>
+            <p:cNvPr id="18" name="Oval 17">
+              <a:extLst>
+                <a:ext uri="{FF2B5EF4-FFF2-40B4-BE49-F238E27FC236}">
+                  <a16:creationId xmlns:a16="http://schemas.microsoft.com/office/drawing/2014/main" id="{82D13ACE-2F53-3402-0A98-D52BF427EDB7}"/>
+                </a:ext>
+              </a:extLst>
+            </p:cNvPr>
+            <p:cNvSpPr/>
+            <p:nvPr/>
+          </p:nvSpPr>
+          <p:spPr>
+            <a:xfrm>
+              <a:off x="8093030" y="1729556"/>
+              <a:ext cx="99237" cy="99237"/>
+            </a:xfrm>
+            <a:prstGeom prst="ellipse">
+              <a:avLst/>
+            </a:prstGeom>
+            <a:solidFill>
+              <a:srgbClr val="FF0000"/>
+            </a:solidFill>
+            <a:ln w="3175">
+              <a:solidFill>
+                <a:schemeClr val="tx1">
+                  <a:lumMod val="95000"/>
+                  <a:lumOff val="5000"/>
+                </a:schemeClr>
+              </a:solidFill>
+            </a:ln>
+          </p:spPr>
+          <p:style>
+            <a:lnRef idx="2">
+              <a:schemeClr val="accent1">
+                <a:shade val="15000"/>
+              </a:schemeClr>
+            </a:lnRef>
+            <a:fillRef idx="1">
+              <a:schemeClr val="accent1"/>
+            </a:fillRef>
+            <a:effectRef idx="0">
+              <a:schemeClr val="accent1"/>
+            </a:effectRef>
+            <a:fontRef idx="minor">
+              <a:schemeClr val="lt1"/>
+            </a:fontRef>
+          </p:style>
+          <p:txBody>
+            <a:bodyPr rtlCol="0" anchor="ctr"/>
+            <a:lstStyle/>
+            <a:p>
+              <a:pPr algn="ctr"/>
+              <a:endParaRPr lang="en-DK"/>
+            </a:p>
+          </p:txBody>
+        </p:sp>
+        <p:sp>
+          <p:nvSpPr>
+            <p:cNvPr id="19" name="Oval 18">
+              <a:extLst>
+                <a:ext uri="{FF2B5EF4-FFF2-40B4-BE49-F238E27FC236}">
+                  <a16:creationId xmlns:a16="http://schemas.microsoft.com/office/drawing/2014/main" id="{CA23E5ED-08C6-610F-7DB3-7F40860BC9CA}"/>
+                </a:ext>
+              </a:extLst>
+            </p:cNvPr>
+            <p:cNvSpPr/>
+            <p:nvPr/>
+          </p:nvSpPr>
+          <p:spPr>
+            <a:xfrm>
+              <a:off x="8241880" y="1485011"/>
+              <a:ext cx="99237" cy="99237"/>
+            </a:xfrm>
+            <a:prstGeom prst="ellipse">
+              <a:avLst/>
+            </a:prstGeom>
+            <a:solidFill>
+              <a:srgbClr val="FF0000"/>
+            </a:solidFill>
+            <a:ln w="3175">
+              <a:solidFill>
+                <a:schemeClr val="tx1">
+                  <a:lumMod val="95000"/>
+                  <a:lumOff val="5000"/>
+                </a:schemeClr>
+              </a:solidFill>
+            </a:ln>
+          </p:spPr>
+          <p:style>
+            <a:lnRef idx="2">
+              <a:schemeClr val="accent1">
+                <a:shade val="15000"/>
+              </a:schemeClr>
+            </a:lnRef>
+            <a:fillRef idx="1">
+              <a:schemeClr val="accent1"/>
+            </a:fillRef>
+            <a:effectRef idx="0">
+              <a:schemeClr val="accent1"/>
+            </a:effectRef>
+            <a:fontRef idx="minor">
+              <a:schemeClr val="lt1"/>
+            </a:fontRef>
+          </p:style>
+          <p:txBody>
+            <a:bodyPr rtlCol="0" anchor="ctr"/>
+            <a:lstStyle/>
+            <a:p>
+              <a:pPr algn="ctr"/>
+              <a:endParaRPr lang="en-DK"/>
+            </a:p>
+          </p:txBody>
+        </p:sp>
+        <p:sp>
+          <p:nvSpPr>
+            <p:cNvPr id="20" name="Oval 19">
+              <a:extLst>
+                <a:ext uri="{FF2B5EF4-FFF2-40B4-BE49-F238E27FC236}">
+                  <a16:creationId xmlns:a16="http://schemas.microsoft.com/office/drawing/2014/main" id="{5F445F63-029B-1555-23C6-C6F4CE373F09}"/>
+                </a:ext>
+              </a:extLst>
+            </p:cNvPr>
+            <p:cNvSpPr/>
+            <p:nvPr/>
+          </p:nvSpPr>
+          <p:spPr>
+            <a:xfrm>
+              <a:off x="8550227" y="1208562"/>
+              <a:ext cx="99237" cy="99237"/>
+            </a:xfrm>
+            <a:prstGeom prst="ellipse">
+              <a:avLst/>
+            </a:prstGeom>
+            <a:solidFill>
+              <a:srgbClr val="FF0000"/>
+            </a:solidFill>
+            <a:ln w="3175">
+              <a:solidFill>
+                <a:schemeClr val="tx1">
+                  <a:lumMod val="95000"/>
+                  <a:lumOff val="5000"/>
+                </a:schemeClr>
+              </a:solidFill>
+            </a:ln>
+          </p:spPr>
+          <p:style>
+            <a:lnRef idx="2">
+              <a:schemeClr val="accent1">
+                <a:shade val="15000"/>
+              </a:schemeClr>
+            </a:lnRef>
+            <a:fillRef idx="1">
+              <a:schemeClr val="accent1"/>
+            </a:fillRef>
+            <a:effectRef idx="0">
+              <a:schemeClr val="accent1"/>
+            </a:effectRef>
+            <a:fontRef idx="minor">
+              <a:schemeClr val="lt1"/>
+            </a:fontRef>
+          </p:style>
+          <p:txBody>
+            <a:bodyPr rtlCol="0" anchor="ctr"/>
+            <a:lstStyle/>
+            <a:p>
+              <a:pPr algn="ctr"/>
+              <a:endParaRPr lang="en-DK"/>
+            </a:p>
+          </p:txBody>
+        </p:sp>
+        <p:sp>
+          <p:nvSpPr>
+            <p:cNvPr id="21" name="Oval 20">
+              <a:extLst>
+                <a:ext uri="{FF2B5EF4-FFF2-40B4-BE49-F238E27FC236}">
+                  <a16:creationId xmlns:a16="http://schemas.microsoft.com/office/drawing/2014/main" id="{F7DA0763-7F7F-6964-A6EC-2AD1A8FB7C93}"/>
+                </a:ext>
+              </a:extLst>
+            </p:cNvPr>
+            <p:cNvSpPr/>
+            <p:nvPr/>
+          </p:nvSpPr>
+          <p:spPr>
+            <a:xfrm>
+              <a:off x="8911729" y="1102234"/>
+              <a:ext cx="99237" cy="99237"/>
+            </a:xfrm>
+            <a:prstGeom prst="ellipse">
+              <a:avLst/>
+            </a:prstGeom>
+            <a:solidFill>
+              <a:srgbClr val="FF0000"/>
+            </a:solidFill>
+            <a:ln w="3175">
+              <a:solidFill>
+                <a:schemeClr val="tx1">
+                  <a:lumMod val="95000"/>
+                  <a:lumOff val="5000"/>
+                </a:schemeClr>
+              </a:solidFill>
+            </a:ln>
+          </p:spPr>
+          <p:style>
+            <a:lnRef idx="2">
+              <a:schemeClr val="accent1">
+                <a:shade val="15000"/>
+              </a:schemeClr>
+            </a:lnRef>
+            <a:fillRef idx="1">
+              <a:schemeClr val="accent1"/>
+            </a:fillRef>
+            <a:effectRef idx="0">
+              <a:schemeClr val="accent1"/>
+            </a:effectRef>
+            <a:fontRef idx="minor">
+              <a:schemeClr val="lt1"/>
+            </a:fontRef>
+          </p:style>
+          <p:txBody>
+            <a:bodyPr rtlCol="0" anchor="ctr"/>
+            <a:lstStyle/>
+            <a:p>
+              <a:pPr algn="ctr"/>
+              <a:endParaRPr lang="en-DK"/>
+            </a:p>
+          </p:txBody>
+        </p:sp>
+        <p:sp>
+          <p:nvSpPr>
+            <p:cNvPr id="22" name="Oval 21">
+              <a:extLst>
+                <a:ext uri="{FF2B5EF4-FFF2-40B4-BE49-F238E27FC236}">
+                  <a16:creationId xmlns:a16="http://schemas.microsoft.com/office/drawing/2014/main" id="{1A692E55-4045-617B-61B9-1F6AA3552E6F}"/>
+                </a:ext>
+              </a:extLst>
+            </p:cNvPr>
+            <p:cNvSpPr/>
+            <p:nvPr/>
+          </p:nvSpPr>
+          <p:spPr>
+            <a:xfrm>
+              <a:off x="9305139" y="1070334"/>
+              <a:ext cx="99237" cy="99237"/>
+            </a:xfrm>
+            <a:prstGeom prst="ellipse">
+              <a:avLst/>
+            </a:prstGeom>
+            <a:solidFill>
+              <a:srgbClr val="FF0000"/>
+            </a:solidFill>
+            <a:ln w="3175">
+              <a:solidFill>
+                <a:schemeClr val="tx1">
+                  <a:lumMod val="95000"/>
+                  <a:lumOff val="5000"/>
+                </a:schemeClr>
+              </a:solidFill>
+            </a:ln>
+          </p:spPr>
+          <p:style>
+            <a:lnRef idx="2">
+              <a:schemeClr val="accent1">
+                <a:shade val="15000"/>
+              </a:schemeClr>
+            </a:lnRef>
+            <a:fillRef idx="1">
+              <a:schemeClr val="accent1"/>
+            </a:fillRef>
+            <a:effectRef idx="0">
+              <a:schemeClr val="accent1"/>
+            </a:effectRef>
+            <a:fontRef idx="minor">
+              <a:schemeClr val="lt1"/>
+            </a:fontRef>
+          </p:style>
+          <p:txBody>
+            <a:bodyPr rtlCol="0" anchor="ctr"/>
+            <a:lstStyle/>
+            <a:p>
+              <a:pPr algn="ctr"/>
+              <a:endParaRPr lang="en-DK"/>
+            </a:p>
+          </p:txBody>
+        </p:sp>
+        <p:pic>
+          <p:nvPicPr>
+            <p:cNvPr id="23" name="Graphic 22" descr="Tick with solid fill">
+              <a:extLst>
+                <a:ext uri="{FF2B5EF4-FFF2-40B4-BE49-F238E27FC236}">
+                  <a16:creationId xmlns:a16="http://schemas.microsoft.com/office/drawing/2014/main" id="{5591738E-A30E-6976-C0BB-09FD68EA64A7}"/>
+                </a:ext>
+              </a:extLst>
+            </p:cNvPr>
+            <p:cNvPicPr>
+              <a:picLocks noChangeAspect="1"/>
+            </p:cNvPicPr>
+            <p:nvPr/>
+          </p:nvPicPr>
+          <p:blipFill>
+            <a:blip r:embed="rId2">
+              <a:extLst>
+                <a:ext uri="{96DAC541-7B7A-43D3-8B79-37D633B846F1}">
+                  <asvg:svgBlip xmlns:asvg="http://schemas.microsoft.com/office/drawing/2016/SVG/main" r:embed="rId3"/>
+                </a:ext>
+              </a:extLst>
+            </a:blip>
+            <a:stretch>
+              <a:fillRect/>
+            </a:stretch>
+          </p:blipFill>
+          <p:spPr>
+            <a:xfrm>
+              <a:off x="8275668" y="685914"/>
+              <a:ext cx="1079089" cy="1079089"/>
+            </a:xfrm>
+            <a:prstGeom prst="rect">
+              <a:avLst/>
+            </a:prstGeom>
+          </p:spPr>
+        </p:pic>
+        <p:cxnSp>
+          <p:nvCxnSpPr>
+            <p:cNvPr id="24" name="Straight Arrow Connector 23">
+              <a:extLst>
+                <a:ext uri="{FF2B5EF4-FFF2-40B4-BE49-F238E27FC236}">
+                  <a16:creationId xmlns:a16="http://schemas.microsoft.com/office/drawing/2014/main" id="{CE526227-D6F0-CA8B-DC97-4EBF25BFEB6A}"/>
+                </a:ext>
+              </a:extLst>
+            </p:cNvPr>
+            <p:cNvCxnSpPr/>
+            <p:nvPr/>
+          </p:nvCxnSpPr>
+          <p:spPr>
+            <a:xfrm>
+              <a:off x="10129280" y="1972331"/>
+              <a:ext cx="1857153" cy="0"/>
+            </a:xfrm>
+            <a:prstGeom prst="straightConnector1">
+              <a:avLst/>
+            </a:prstGeom>
+            <a:ln w="38100">
+              <a:tailEnd type="triangle"/>
+            </a:ln>
+          </p:spPr>
+          <p:style>
+            <a:lnRef idx="2">
+              <a:schemeClr val="accent1"/>
+            </a:lnRef>
+            <a:fillRef idx="0">
+              <a:schemeClr val="accent1"/>
+            </a:fillRef>
+            <a:effectRef idx="1">
+              <a:schemeClr val="accent1"/>
+            </a:effectRef>
+            <a:fontRef idx="minor">
+              <a:schemeClr val="tx1"/>
+            </a:fontRef>
+          </p:style>
+        </p:cxnSp>
+        <p:cxnSp>
+          <p:nvCxnSpPr>
+            <p:cNvPr id="25" name="Straight Arrow Connector 24">
+              <a:extLst>
+                <a:ext uri="{FF2B5EF4-FFF2-40B4-BE49-F238E27FC236}">
+                  <a16:creationId xmlns:a16="http://schemas.microsoft.com/office/drawing/2014/main" id="{8C716BD8-B752-0A50-5ABD-4E41A472BFB7}"/>
+                </a:ext>
+              </a:extLst>
+            </p:cNvPr>
+            <p:cNvCxnSpPr>
+              <a:cxnSpLocks/>
+            </p:cNvCxnSpPr>
+            <p:nvPr/>
+          </p:nvCxnSpPr>
+          <p:spPr>
+            <a:xfrm flipV="1">
+              <a:off x="10129280" y="430610"/>
+              <a:ext cx="0" cy="1541721"/>
+            </a:xfrm>
+            <a:prstGeom prst="straightConnector1">
+              <a:avLst/>
+            </a:prstGeom>
+            <a:ln w="38100">
+              <a:tailEnd type="triangle"/>
+            </a:ln>
+          </p:spPr>
+          <p:style>
+            <a:lnRef idx="2">
+              <a:schemeClr val="accent1"/>
+            </a:lnRef>
+            <a:fillRef idx="0">
+              <a:schemeClr val="accent1"/>
+            </a:fillRef>
+            <a:effectRef idx="1">
+              <a:schemeClr val="accent1"/>
+            </a:effectRef>
+            <a:fontRef idx="minor">
+              <a:schemeClr val="tx1"/>
+            </a:fontRef>
+          </p:style>
+        </p:cxnSp>
+        <p:sp>
+          <p:nvSpPr>
+            <p:cNvPr id="26" name="Oval 25">
+              <a:extLst>
+                <a:ext uri="{FF2B5EF4-FFF2-40B4-BE49-F238E27FC236}">
+                  <a16:creationId xmlns:a16="http://schemas.microsoft.com/office/drawing/2014/main" id="{B63BD464-9586-3ACB-D156-1BA2E9FBA4B1}"/>
+                </a:ext>
+              </a:extLst>
+            </p:cNvPr>
+            <p:cNvSpPr/>
+            <p:nvPr/>
+          </p:nvSpPr>
+          <p:spPr>
+            <a:xfrm>
+              <a:off x="10253331" y="1756129"/>
+              <a:ext cx="99237" cy="99237"/>
+            </a:xfrm>
+            <a:prstGeom prst="ellipse">
+              <a:avLst/>
+            </a:prstGeom>
+            <a:solidFill>
+              <a:srgbClr val="FF0000"/>
+            </a:solidFill>
+            <a:ln w="3175">
+              <a:solidFill>
+                <a:schemeClr val="tx1">
+                  <a:lumMod val="95000"/>
+                  <a:lumOff val="5000"/>
+                </a:schemeClr>
+              </a:solidFill>
+            </a:ln>
+          </p:spPr>
+          <p:style>
+            <a:lnRef idx="2">
+              <a:schemeClr val="accent1">
+                <a:shade val="15000"/>
+              </a:schemeClr>
+            </a:lnRef>
+            <a:fillRef idx="1">
+              <a:schemeClr val="accent1"/>
+            </a:fillRef>
+            <a:effectRef idx="0">
+              <a:schemeClr val="accent1"/>
+            </a:effectRef>
+            <a:fontRef idx="minor">
+              <a:schemeClr val="lt1"/>
+            </a:fontRef>
+          </p:style>
+          <p:txBody>
+            <a:bodyPr rtlCol="0" anchor="ctr"/>
+            <a:lstStyle/>
+            <a:p>
+              <a:pPr algn="ctr"/>
+              <a:endParaRPr lang="en-DK"/>
+            </a:p>
+          </p:txBody>
+        </p:sp>
+        <p:sp>
+          <p:nvSpPr>
+            <p:cNvPr id="27" name="Oval 26">
+              <a:extLst>
+                <a:ext uri="{FF2B5EF4-FFF2-40B4-BE49-F238E27FC236}">
+                  <a16:creationId xmlns:a16="http://schemas.microsoft.com/office/drawing/2014/main" id="{13D605D8-FE12-BECD-327C-4CF4D4751320}"/>
+                </a:ext>
+              </a:extLst>
+            </p:cNvPr>
+            <p:cNvSpPr/>
+            <p:nvPr/>
+          </p:nvSpPr>
+          <p:spPr>
+            <a:xfrm>
+              <a:off x="10402181" y="1511584"/>
+              <a:ext cx="99237" cy="99237"/>
+            </a:xfrm>
+            <a:prstGeom prst="ellipse">
+              <a:avLst/>
+            </a:prstGeom>
+            <a:solidFill>
+              <a:srgbClr val="FF0000"/>
+            </a:solidFill>
+            <a:ln w="3175">
+              <a:solidFill>
+                <a:schemeClr val="tx1">
+                  <a:lumMod val="95000"/>
+                  <a:lumOff val="5000"/>
+                </a:schemeClr>
+              </a:solidFill>
+            </a:ln>
+          </p:spPr>
+          <p:style>
+            <a:lnRef idx="2">
+              <a:schemeClr val="accent1">
+                <a:shade val="15000"/>
+              </a:schemeClr>
+            </a:lnRef>
+            <a:fillRef idx="1">
+              <a:schemeClr val="accent1"/>
+            </a:fillRef>
+            <a:effectRef idx="0">
+              <a:schemeClr val="accent1"/>
+            </a:effectRef>
+            <a:fontRef idx="minor">
+              <a:schemeClr val="lt1"/>
+            </a:fontRef>
+          </p:style>
+          <p:txBody>
+            <a:bodyPr rtlCol="0" anchor="ctr"/>
+            <a:lstStyle/>
+            <a:p>
+              <a:pPr algn="ctr"/>
+              <a:endParaRPr lang="en-DK"/>
+            </a:p>
+          </p:txBody>
+        </p:sp>
+        <p:sp>
+          <p:nvSpPr>
+            <p:cNvPr id="28" name="Oval 27">
+              <a:extLst>
+                <a:ext uri="{FF2B5EF4-FFF2-40B4-BE49-F238E27FC236}">
+                  <a16:creationId xmlns:a16="http://schemas.microsoft.com/office/drawing/2014/main" id="{CA595DE2-AC4B-D612-CD25-4FA8813ED560}"/>
+                </a:ext>
+              </a:extLst>
+            </p:cNvPr>
+            <p:cNvSpPr/>
+            <p:nvPr/>
+          </p:nvSpPr>
+          <p:spPr>
+            <a:xfrm>
+              <a:off x="10710528" y="1235135"/>
+              <a:ext cx="99237" cy="99237"/>
+            </a:xfrm>
+            <a:prstGeom prst="ellipse">
+              <a:avLst/>
+            </a:prstGeom>
+            <a:solidFill>
+              <a:srgbClr val="FF0000"/>
+            </a:solidFill>
+            <a:ln w="3175">
+              <a:solidFill>
+                <a:schemeClr val="tx1">
+                  <a:lumMod val="95000"/>
+                  <a:lumOff val="5000"/>
+                </a:schemeClr>
+              </a:solidFill>
+            </a:ln>
+          </p:spPr>
+          <p:style>
+            <a:lnRef idx="2">
+              <a:schemeClr val="accent1">
+                <a:shade val="15000"/>
+              </a:schemeClr>
+            </a:lnRef>
+            <a:fillRef idx="1">
+              <a:schemeClr val="accent1"/>
+            </a:fillRef>
+            <a:effectRef idx="0">
+              <a:schemeClr val="accent1"/>
+            </a:effectRef>
+            <a:fontRef idx="minor">
+              <a:schemeClr val="lt1"/>
+            </a:fontRef>
+          </p:style>
+          <p:txBody>
+            <a:bodyPr rtlCol="0" anchor="ctr"/>
+            <a:lstStyle/>
+            <a:p>
+              <a:pPr algn="ctr"/>
+              <a:endParaRPr lang="en-DK"/>
+            </a:p>
+          </p:txBody>
+        </p:sp>
+        <p:sp>
+          <p:nvSpPr>
+            <p:cNvPr id="29" name="Oval 28">
+              <a:extLst>
+                <a:ext uri="{FF2B5EF4-FFF2-40B4-BE49-F238E27FC236}">
+                  <a16:creationId xmlns:a16="http://schemas.microsoft.com/office/drawing/2014/main" id="{945F9659-A697-726C-3F48-60BEF1F9501C}"/>
+                </a:ext>
+              </a:extLst>
+            </p:cNvPr>
+            <p:cNvSpPr/>
+            <p:nvPr/>
+          </p:nvSpPr>
+          <p:spPr>
+            <a:xfrm>
+              <a:off x="11072030" y="1128807"/>
+              <a:ext cx="99237" cy="99237"/>
+            </a:xfrm>
+            <a:prstGeom prst="ellipse">
+              <a:avLst/>
+            </a:prstGeom>
+            <a:solidFill>
+              <a:srgbClr val="FF0000"/>
+            </a:solidFill>
+            <a:ln w="3175">
+              <a:solidFill>
+                <a:schemeClr val="tx1">
+                  <a:lumMod val="95000"/>
+                  <a:lumOff val="5000"/>
+                </a:schemeClr>
+              </a:solidFill>
+            </a:ln>
+          </p:spPr>
+          <p:style>
+            <a:lnRef idx="2">
+              <a:schemeClr val="accent1">
+                <a:shade val="15000"/>
+              </a:schemeClr>
+            </a:lnRef>
+            <a:fillRef idx="1">
+              <a:schemeClr val="accent1"/>
+            </a:fillRef>
+            <a:effectRef idx="0">
+              <a:schemeClr val="accent1"/>
+            </a:effectRef>
+            <a:fontRef idx="minor">
+              <a:schemeClr val="lt1"/>
+            </a:fontRef>
+          </p:style>
+          <p:txBody>
+            <a:bodyPr rtlCol="0" anchor="ctr"/>
+            <a:lstStyle/>
+            <a:p>
+              <a:pPr algn="ctr"/>
+              <a:endParaRPr lang="en-DK"/>
+            </a:p>
+          </p:txBody>
+        </p:sp>
+        <p:sp>
+          <p:nvSpPr>
+            <p:cNvPr id="30" name="Oval 29">
+              <a:extLst>
+                <a:ext uri="{FF2B5EF4-FFF2-40B4-BE49-F238E27FC236}">
+                  <a16:creationId xmlns:a16="http://schemas.microsoft.com/office/drawing/2014/main" id="{98379D98-9202-8270-94D1-4408485B0019}"/>
+                </a:ext>
+              </a:extLst>
+            </p:cNvPr>
+            <p:cNvSpPr/>
+            <p:nvPr/>
+          </p:nvSpPr>
+          <p:spPr>
+            <a:xfrm>
+              <a:off x="11465440" y="1096907"/>
+              <a:ext cx="99237" cy="99237"/>
+            </a:xfrm>
+            <a:prstGeom prst="ellipse">
+              <a:avLst/>
+            </a:prstGeom>
+            <a:solidFill>
+              <a:srgbClr val="FF0000"/>
+            </a:solidFill>
+            <a:ln w="3175">
+              <a:solidFill>
+                <a:schemeClr val="tx1">
+                  <a:lumMod val="95000"/>
+                  <a:lumOff val="5000"/>
+                </a:schemeClr>
+              </a:solidFill>
+            </a:ln>
+          </p:spPr>
+          <p:style>
+            <a:lnRef idx="2">
+              <a:schemeClr val="accent1">
+                <a:shade val="15000"/>
+              </a:schemeClr>
+            </a:lnRef>
+            <a:fillRef idx="1">
+              <a:schemeClr val="accent1"/>
+            </a:fillRef>
+            <a:effectRef idx="0">
+              <a:schemeClr val="accent1"/>
+            </a:effectRef>
+            <a:fontRef idx="minor">
+              <a:schemeClr val="lt1"/>
+            </a:fontRef>
+          </p:style>
+          <p:txBody>
+            <a:bodyPr rtlCol="0" anchor="ctr"/>
+            <a:lstStyle/>
+            <a:p>
+              <a:pPr algn="ctr"/>
+              <a:endParaRPr lang="en-DK"/>
+            </a:p>
+          </p:txBody>
+        </p:sp>
+        <p:pic>
+          <p:nvPicPr>
+            <p:cNvPr id="31" name="Graphic 30" descr="Tick with solid fill">
+              <a:extLst>
+                <a:ext uri="{FF2B5EF4-FFF2-40B4-BE49-F238E27FC236}">
+                  <a16:creationId xmlns:a16="http://schemas.microsoft.com/office/drawing/2014/main" id="{A1879E4C-09E9-F0BE-3503-7986914B734F}"/>
+                </a:ext>
+              </a:extLst>
+            </p:cNvPr>
+            <p:cNvPicPr>
+              <a:picLocks noChangeAspect="1"/>
+            </p:cNvPicPr>
+            <p:nvPr/>
+          </p:nvPicPr>
+          <p:blipFill>
+            <a:blip r:embed="rId2">
+              <a:extLst>
+                <a:ext uri="{96DAC541-7B7A-43D3-8B79-37D633B846F1}">
+                  <asvg:svgBlip xmlns:asvg="http://schemas.microsoft.com/office/drawing/2016/SVG/main" r:embed="rId3"/>
+                </a:ext>
+              </a:extLst>
+            </a:blip>
+            <a:stretch>
+              <a:fillRect/>
+            </a:stretch>
+          </p:blipFill>
+          <p:spPr>
+            <a:xfrm>
+              <a:off x="10435969" y="712487"/>
+              <a:ext cx="1079089" cy="1079089"/>
+            </a:xfrm>
+            <a:prstGeom prst="rect">
+              <a:avLst/>
+            </a:prstGeom>
+          </p:spPr>
+        </p:pic>
+        <p:cxnSp>
+          <p:nvCxnSpPr>
+            <p:cNvPr id="32" name="Straight Arrow Connector 31">
+              <a:extLst>
+                <a:ext uri="{FF2B5EF4-FFF2-40B4-BE49-F238E27FC236}">
+                  <a16:creationId xmlns:a16="http://schemas.microsoft.com/office/drawing/2014/main" id="{445548FF-223F-54F8-9F2F-09EEACE00337}"/>
+                </a:ext>
+              </a:extLst>
+            </p:cNvPr>
+            <p:cNvCxnSpPr/>
+            <p:nvPr/>
+          </p:nvCxnSpPr>
+          <p:spPr>
+            <a:xfrm>
+              <a:off x="6001958" y="3850517"/>
+              <a:ext cx="1857153" cy="0"/>
+            </a:xfrm>
+            <a:prstGeom prst="straightConnector1">
+              <a:avLst/>
+            </a:prstGeom>
+            <a:ln w="38100">
+              <a:tailEnd type="triangle"/>
+            </a:ln>
+          </p:spPr>
+          <p:style>
+            <a:lnRef idx="2">
+              <a:schemeClr val="accent1"/>
+            </a:lnRef>
+            <a:fillRef idx="0">
+              <a:schemeClr val="accent1"/>
+            </a:fillRef>
+            <a:effectRef idx="1">
+              <a:schemeClr val="accent1"/>
+            </a:effectRef>
+            <a:fontRef idx="minor">
+              <a:schemeClr val="tx1"/>
+            </a:fontRef>
+          </p:style>
+        </p:cxnSp>
+        <p:cxnSp>
+          <p:nvCxnSpPr>
+            <p:cNvPr id="33" name="Straight Arrow Connector 32">
+              <a:extLst>
+                <a:ext uri="{FF2B5EF4-FFF2-40B4-BE49-F238E27FC236}">
+                  <a16:creationId xmlns:a16="http://schemas.microsoft.com/office/drawing/2014/main" id="{D3DE66EC-6084-64FF-2919-AE39A1FA0861}"/>
+                </a:ext>
+              </a:extLst>
+            </p:cNvPr>
+            <p:cNvCxnSpPr>
+              <a:cxnSpLocks/>
+            </p:cNvCxnSpPr>
+            <p:nvPr/>
+          </p:nvCxnSpPr>
+          <p:spPr>
+            <a:xfrm flipV="1">
+              <a:off x="6001958" y="2308796"/>
+              <a:ext cx="0" cy="1541721"/>
+            </a:xfrm>
+            <a:prstGeom prst="straightConnector1">
+              <a:avLst/>
+            </a:prstGeom>
+            <a:ln w="38100">
+              <a:tailEnd type="triangle"/>
+            </a:ln>
+          </p:spPr>
+          <p:style>
+            <a:lnRef idx="2">
+              <a:schemeClr val="accent1"/>
+            </a:lnRef>
+            <a:fillRef idx="0">
+              <a:schemeClr val="accent1"/>
+            </a:fillRef>
+            <a:effectRef idx="1">
+              <a:schemeClr val="accent1"/>
+            </a:effectRef>
+            <a:fontRef idx="minor">
+              <a:schemeClr val="tx1"/>
+            </a:fontRef>
+          </p:style>
+        </p:cxnSp>
+        <p:sp>
+          <p:nvSpPr>
+            <p:cNvPr id="34" name="Oval 33">
+              <a:extLst>
+                <a:ext uri="{FF2B5EF4-FFF2-40B4-BE49-F238E27FC236}">
+                  <a16:creationId xmlns:a16="http://schemas.microsoft.com/office/drawing/2014/main" id="{5D589687-3B82-8661-C902-06BF2E0A8053}"/>
+                </a:ext>
+              </a:extLst>
+            </p:cNvPr>
+            <p:cNvSpPr/>
+            <p:nvPr/>
+          </p:nvSpPr>
+          <p:spPr>
+            <a:xfrm>
+              <a:off x="6126009" y="3634315"/>
+              <a:ext cx="99237" cy="99237"/>
+            </a:xfrm>
+            <a:prstGeom prst="ellipse">
+              <a:avLst/>
+            </a:prstGeom>
+            <a:solidFill>
+              <a:srgbClr val="FF0000"/>
+            </a:solidFill>
+            <a:ln w="3175">
+              <a:solidFill>
+                <a:schemeClr val="tx1">
+                  <a:lumMod val="95000"/>
+                  <a:lumOff val="5000"/>
+                </a:schemeClr>
+              </a:solidFill>
+            </a:ln>
+          </p:spPr>
+          <p:style>
+            <a:lnRef idx="2">
+              <a:schemeClr val="accent1">
+                <a:shade val="15000"/>
+              </a:schemeClr>
+            </a:lnRef>
+            <a:fillRef idx="1">
+              <a:schemeClr val="accent1"/>
+            </a:fillRef>
+            <a:effectRef idx="0">
+              <a:schemeClr val="accent1"/>
+            </a:effectRef>
+            <a:fontRef idx="minor">
+              <a:schemeClr val="lt1"/>
+            </a:fontRef>
+          </p:style>
+          <p:txBody>
+            <a:bodyPr rtlCol="0" anchor="ctr"/>
+            <a:lstStyle/>
+            <a:p>
+              <a:pPr algn="ctr"/>
+              <a:endParaRPr lang="en-DK"/>
+            </a:p>
+          </p:txBody>
+        </p:sp>
+        <p:sp>
+          <p:nvSpPr>
+            <p:cNvPr id="35" name="Oval 34">
+              <a:extLst>
+                <a:ext uri="{FF2B5EF4-FFF2-40B4-BE49-F238E27FC236}">
+                  <a16:creationId xmlns:a16="http://schemas.microsoft.com/office/drawing/2014/main" id="{07448E8D-CDA4-46EE-D145-F4B77FF6D5CB}"/>
+                </a:ext>
+              </a:extLst>
+            </p:cNvPr>
+            <p:cNvSpPr/>
+            <p:nvPr/>
+          </p:nvSpPr>
+          <p:spPr>
+            <a:xfrm>
+              <a:off x="6274859" y="3389770"/>
+              <a:ext cx="99237" cy="99237"/>
+            </a:xfrm>
+            <a:prstGeom prst="ellipse">
+              <a:avLst/>
+            </a:prstGeom>
+            <a:solidFill>
+              <a:srgbClr val="FF0000"/>
+            </a:solidFill>
+            <a:ln w="3175">
+              <a:solidFill>
+                <a:schemeClr val="tx1">
+                  <a:lumMod val="95000"/>
+                  <a:lumOff val="5000"/>
+                </a:schemeClr>
+              </a:solidFill>
+            </a:ln>
+          </p:spPr>
+          <p:style>
+            <a:lnRef idx="2">
+              <a:schemeClr val="accent1">
+                <a:shade val="15000"/>
+              </a:schemeClr>
+            </a:lnRef>
+            <a:fillRef idx="1">
+              <a:schemeClr val="accent1"/>
+            </a:fillRef>
+            <a:effectRef idx="0">
+              <a:schemeClr val="accent1"/>
+            </a:effectRef>
+            <a:fontRef idx="minor">
+              <a:schemeClr val="lt1"/>
+            </a:fontRef>
+          </p:style>
+          <p:txBody>
+            <a:bodyPr rtlCol="0" anchor="ctr"/>
+            <a:lstStyle/>
+            <a:p>
+              <a:pPr algn="ctr"/>
+              <a:endParaRPr lang="en-DK"/>
+            </a:p>
+          </p:txBody>
+        </p:sp>
+        <p:sp>
+          <p:nvSpPr>
+            <p:cNvPr id="36" name="Oval 35">
+              <a:extLst>
+                <a:ext uri="{FF2B5EF4-FFF2-40B4-BE49-F238E27FC236}">
+                  <a16:creationId xmlns:a16="http://schemas.microsoft.com/office/drawing/2014/main" id="{D47C1108-CF49-B1B8-2680-20293DF721DA}"/>
+                </a:ext>
+              </a:extLst>
+            </p:cNvPr>
+            <p:cNvSpPr/>
+            <p:nvPr/>
+          </p:nvSpPr>
+          <p:spPr>
+            <a:xfrm>
+              <a:off x="6583206" y="3113321"/>
+              <a:ext cx="99237" cy="99237"/>
+            </a:xfrm>
+            <a:prstGeom prst="ellipse">
+              <a:avLst/>
+            </a:prstGeom>
+            <a:solidFill>
+              <a:srgbClr val="FF0000"/>
+            </a:solidFill>
+            <a:ln w="3175">
+              <a:solidFill>
+                <a:schemeClr val="tx1">
+                  <a:lumMod val="95000"/>
+                  <a:lumOff val="5000"/>
+                </a:schemeClr>
+              </a:solidFill>
+            </a:ln>
+          </p:spPr>
+          <p:style>
+            <a:lnRef idx="2">
+              <a:schemeClr val="accent1">
+                <a:shade val="15000"/>
+              </a:schemeClr>
+            </a:lnRef>
+            <a:fillRef idx="1">
+              <a:schemeClr val="accent1"/>
+            </a:fillRef>
+            <a:effectRef idx="0">
+              <a:schemeClr val="accent1"/>
+            </a:effectRef>
+            <a:fontRef idx="minor">
+              <a:schemeClr val="lt1"/>
+            </a:fontRef>
+          </p:style>
+          <p:txBody>
+            <a:bodyPr rtlCol="0" anchor="ctr"/>
+            <a:lstStyle/>
+            <a:p>
+              <a:pPr algn="ctr"/>
+              <a:endParaRPr lang="en-DK"/>
+            </a:p>
+          </p:txBody>
+        </p:sp>
+        <p:sp>
+          <p:nvSpPr>
+            <p:cNvPr id="37" name="Oval 36">
+              <a:extLst>
+                <a:ext uri="{FF2B5EF4-FFF2-40B4-BE49-F238E27FC236}">
+                  <a16:creationId xmlns:a16="http://schemas.microsoft.com/office/drawing/2014/main" id="{E94CD3CC-5D5C-5E20-0063-AEA6B44E712F}"/>
+                </a:ext>
+              </a:extLst>
+            </p:cNvPr>
+            <p:cNvSpPr/>
+            <p:nvPr/>
+          </p:nvSpPr>
+          <p:spPr>
+            <a:xfrm>
+              <a:off x="6944708" y="3006993"/>
+              <a:ext cx="99237" cy="99237"/>
+            </a:xfrm>
+            <a:prstGeom prst="ellipse">
+              <a:avLst/>
+            </a:prstGeom>
+            <a:solidFill>
+              <a:srgbClr val="FF0000"/>
+            </a:solidFill>
+            <a:ln w="3175">
+              <a:solidFill>
+                <a:schemeClr val="tx1">
+                  <a:lumMod val="95000"/>
+                  <a:lumOff val="5000"/>
+                </a:schemeClr>
+              </a:solidFill>
+            </a:ln>
+          </p:spPr>
+          <p:style>
+            <a:lnRef idx="2">
+              <a:schemeClr val="accent1">
+                <a:shade val="15000"/>
+              </a:schemeClr>
+            </a:lnRef>
+            <a:fillRef idx="1">
+              <a:schemeClr val="accent1"/>
+            </a:fillRef>
+            <a:effectRef idx="0">
+              <a:schemeClr val="accent1"/>
+            </a:effectRef>
+            <a:fontRef idx="minor">
+              <a:schemeClr val="lt1"/>
+            </a:fontRef>
+          </p:style>
+          <p:txBody>
+            <a:bodyPr rtlCol="0" anchor="ctr"/>
+            <a:lstStyle/>
+            <a:p>
+              <a:pPr algn="ctr"/>
+              <a:endParaRPr lang="en-DK"/>
+            </a:p>
+          </p:txBody>
+        </p:sp>
+        <p:sp>
+          <p:nvSpPr>
+            <p:cNvPr id="38" name="Oval 37">
+              <a:extLst>
+                <a:ext uri="{FF2B5EF4-FFF2-40B4-BE49-F238E27FC236}">
+                  <a16:creationId xmlns:a16="http://schemas.microsoft.com/office/drawing/2014/main" id="{D8F832B6-6CAB-9720-F060-06D1CA56FF66}"/>
+                </a:ext>
+              </a:extLst>
+            </p:cNvPr>
+            <p:cNvSpPr/>
+            <p:nvPr/>
+          </p:nvSpPr>
+          <p:spPr>
+            <a:xfrm>
+              <a:off x="7338118" y="2975093"/>
+              <a:ext cx="99237" cy="99237"/>
+            </a:xfrm>
+            <a:prstGeom prst="ellipse">
+              <a:avLst/>
+            </a:prstGeom>
+            <a:solidFill>
+              <a:srgbClr val="FF0000"/>
+            </a:solidFill>
+            <a:ln w="3175">
+              <a:solidFill>
+                <a:schemeClr val="tx1">
+                  <a:lumMod val="95000"/>
+                  <a:lumOff val="5000"/>
+                </a:schemeClr>
+              </a:solidFill>
+            </a:ln>
+          </p:spPr>
+          <p:style>
+            <a:lnRef idx="2">
+              <a:schemeClr val="accent1">
+                <a:shade val="15000"/>
+              </a:schemeClr>
+            </a:lnRef>
+            <a:fillRef idx="1">
+              <a:schemeClr val="accent1"/>
+            </a:fillRef>
+            <a:effectRef idx="0">
+              <a:schemeClr val="accent1"/>
+            </a:effectRef>
+            <a:fontRef idx="minor">
+              <a:schemeClr val="lt1"/>
+            </a:fontRef>
+          </p:style>
+          <p:txBody>
+            <a:bodyPr rtlCol="0" anchor="ctr"/>
+            <a:lstStyle/>
+            <a:p>
+              <a:pPr algn="ctr"/>
+              <a:endParaRPr lang="en-DK"/>
+            </a:p>
+          </p:txBody>
+        </p:sp>
+        <p:pic>
+          <p:nvPicPr>
+            <p:cNvPr id="39" name="Graphic 38" descr="Tick with solid fill">
+              <a:extLst>
+                <a:ext uri="{FF2B5EF4-FFF2-40B4-BE49-F238E27FC236}">
+                  <a16:creationId xmlns:a16="http://schemas.microsoft.com/office/drawing/2014/main" id="{D5598F7B-9FDD-1B69-3949-A272667B3E0C}"/>
+                </a:ext>
+              </a:extLst>
+            </p:cNvPr>
+            <p:cNvPicPr>
+              <a:picLocks noChangeAspect="1"/>
+            </p:cNvPicPr>
+            <p:nvPr/>
+          </p:nvPicPr>
+          <p:blipFill>
+            <a:blip r:embed="rId2">
+              <a:extLst>
+                <a:ext uri="{96DAC541-7B7A-43D3-8B79-37D633B846F1}">
+                  <asvg:svgBlip xmlns:asvg="http://schemas.microsoft.com/office/drawing/2016/SVG/main" r:embed="rId3"/>
+                </a:ext>
+              </a:extLst>
+            </a:blip>
+            <a:stretch>
+              <a:fillRect/>
+            </a:stretch>
+          </p:blipFill>
+          <p:spPr>
+            <a:xfrm>
+              <a:off x="6308647" y="2590673"/>
+              <a:ext cx="1079089" cy="1079089"/>
+            </a:xfrm>
+            <a:prstGeom prst="rect">
+              <a:avLst/>
+            </a:prstGeom>
+          </p:spPr>
+        </p:pic>
+        <p:cxnSp>
+          <p:nvCxnSpPr>
+            <p:cNvPr id="40" name="Straight Arrow Connector 39">
+              <a:extLst>
+                <a:ext uri="{FF2B5EF4-FFF2-40B4-BE49-F238E27FC236}">
+                  <a16:creationId xmlns:a16="http://schemas.microsoft.com/office/drawing/2014/main" id="{E36D99C1-B333-1FDF-C04A-CB1E917E8FCF}"/>
+                </a:ext>
+              </a:extLst>
+            </p:cNvPr>
+            <p:cNvCxnSpPr/>
+            <p:nvPr/>
+          </p:nvCxnSpPr>
+          <p:spPr>
+            <a:xfrm>
+              <a:off x="8023797" y="3850517"/>
+              <a:ext cx="1857153" cy="0"/>
+            </a:xfrm>
+            <a:prstGeom prst="straightConnector1">
+              <a:avLst/>
+            </a:prstGeom>
+            <a:ln w="38100">
+              <a:tailEnd type="triangle"/>
+            </a:ln>
+          </p:spPr>
+          <p:style>
+            <a:lnRef idx="2">
+              <a:schemeClr val="accent1"/>
+            </a:lnRef>
+            <a:fillRef idx="0">
+              <a:schemeClr val="accent1"/>
+            </a:fillRef>
+            <a:effectRef idx="1">
+              <a:schemeClr val="accent1"/>
+            </a:effectRef>
+            <a:fontRef idx="minor">
+              <a:schemeClr val="tx1"/>
+            </a:fontRef>
+          </p:style>
+        </p:cxnSp>
+        <p:cxnSp>
+          <p:nvCxnSpPr>
+            <p:cNvPr id="41" name="Straight Arrow Connector 40">
+              <a:extLst>
+                <a:ext uri="{FF2B5EF4-FFF2-40B4-BE49-F238E27FC236}">
+                  <a16:creationId xmlns:a16="http://schemas.microsoft.com/office/drawing/2014/main" id="{908CC653-A330-6B25-DCD2-BD7AE98014E4}"/>
+                </a:ext>
+              </a:extLst>
+            </p:cNvPr>
+            <p:cNvCxnSpPr>
+              <a:cxnSpLocks/>
+            </p:cNvCxnSpPr>
+            <p:nvPr/>
+          </p:nvCxnSpPr>
+          <p:spPr>
+            <a:xfrm flipV="1">
+              <a:off x="8023797" y="2308796"/>
+              <a:ext cx="0" cy="1541721"/>
+            </a:xfrm>
+            <a:prstGeom prst="straightConnector1">
+              <a:avLst/>
+            </a:prstGeom>
+            <a:ln w="38100">
+              <a:tailEnd type="triangle"/>
+            </a:ln>
+          </p:spPr>
+          <p:style>
+            <a:lnRef idx="2">
+              <a:schemeClr val="accent1"/>
+            </a:lnRef>
+            <a:fillRef idx="0">
+              <a:schemeClr val="accent1"/>
+            </a:fillRef>
+            <a:effectRef idx="1">
+              <a:schemeClr val="accent1"/>
+            </a:effectRef>
+            <a:fontRef idx="minor">
+              <a:schemeClr val="tx1"/>
+            </a:fontRef>
+          </p:style>
+        </p:cxnSp>
+        <p:sp>
+          <p:nvSpPr>
+            <p:cNvPr id="42" name="Oval 41">
+              <a:extLst>
+                <a:ext uri="{FF2B5EF4-FFF2-40B4-BE49-F238E27FC236}">
+                  <a16:creationId xmlns:a16="http://schemas.microsoft.com/office/drawing/2014/main" id="{1FAF3D54-B512-E931-50AE-F37F702E3563}"/>
+                </a:ext>
+              </a:extLst>
+            </p:cNvPr>
+            <p:cNvSpPr/>
+            <p:nvPr/>
+          </p:nvSpPr>
+          <p:spPr>
+            <a:xfrm>
+              <a:off x="8817699" y="3634315"/>
+              <a:ext cx="99237" cy="99237"/>
+            </a:xfrm>
+            <a:prstGeom prst="ellipse">
+              <a:avLst/>
+            </a:prstGeom>
+            <a:solidFill>
+              <a:srgbClr val="FF0000"/>
+            </a:solidFill>
+            <a:ln w="3175">
+              <a:solidFill>
+                <a:schemeClr val="tx1">
+                  <a:lumMod val="95000"/>
+                  <a:lumOff val="5000"/>
+                </a:schemeClr>
+              </a:solidFill>
+            </a:ln>
+          </p:spPr>
+          <p:style>
+            <a:lnRef idx="2">
+              <a:schemeClr val="accent1">
+                <a:shade val="15000"/>
+              </a:schemeClr>
+            </a:lnRef>
+            <a:fillRef idx="1">
+              <a:schemeClr val="accent1"/>
+            </a:fillRef>
+            <a:effectRef idx="0">
+              <a:schemeClr val="accent1"/>
+            </a:effectRef>
+            <a:fontRef idx="minor">
+              <a:schemeClr val="lt1"/>
+            </a:fontRef>
+          </p:style>
+          <p:txBody>
+            <a:bodyPr rtlCol="0" anchor="ctr"/>
+            <a:lstStyle/>
+            <a:p>
+              <a:pPr algn="ctr"/>
+              <a:endParaRPr lang="en-DK"/>
+            </a:p>
+          </p:txBody>
+        </p:sp>
+        <p:sp>
+          <p:nvSpPr>
+            <p:cNvPr id="43" name="Oval 42">
+              <a:extLst>
+                <a:ext uri="{FF2B5EF4-FFF2-40B4-BE49-F238E27FC236}">
+                  <a16:creationId xmlns:a16="http://schemas.microsoft.com/office/drawing/2014/main" id="{5994F534-EB68-986D-E5AD-D5E25A6A7374}"/>
+                </a:ext>
+              </a:extLst>
+            </p:cNvPr>
+            <p:cNvSpPr/>
+            <p:nvPr/>
+          </p:nvSpPr>
+          <p:spPr>
+            <a:xfrm>
+              <a:off x="8966549" y="3389770"/>
+              <a:ext cx="99237" cy="99237"/>
+            </a:xfrm>
+            <a:prstGeom prst="ellipse">
+              <a:avLst/>
+            </a:prstGeom>
+            <a:solidFill>
+              <a:srgbClr val="FF0000"/>
+            </a:solidFill>
+            <a:ln w="3175">
+              <a:solidFill>
+                <a:schemeClr val="tx1">
+                  <a:lumMod val="95000"/>
+                  <a:lumOff val="5000"/>
+                </a:schemeClr>
+              </a:solidFill>
+            </a:ln>
+          </p:spPr>
+          <p:style>
+            <a:lnRef idx="2">
+              <a:schemeClr val="accent1">
+                <a:shade val="15000"/>
+              </a:schemeClr>
+            </a:lnRef>
+            <a:fillRef idx="1">
+              <a:schemeClr val="accent1"/>
+            </a:fillRef>
+            <a:effectRef idx="0">
+              <a:schemeClr val="accent1"/>
+            </a:effectRef>
+            <a:fontRef idx="minor">
+              <a:schemeClr val="lt1"/>
+            </a:fontRef>
+          </p:style>
+          <p:txBody>
+            <a:bodyPr rtlCol="0" anchor="ctr"/>
+            <a:lstStyle/>
+            <a:p>
+              <a:pPr algn="ctr"/>
+              <a:endParaRPr lang="en-DK"/>
+            </a:p>
+          </p:txBody>
+        </p:sp>
+        <p:sp>
+          <p:nvSpPr>
+            <p:cNvPr id="44" name="Oval 43">
+              <a:extLst>
+                <a:ext uri="{FF2B5EF4-FFF2-40B4-BE49-F238E27FC236}">
+                  <a16:creationId xmlns:a16="http://schemas.microsoft.com/office/drawing/2014/main" id="{5D9A34E8-F47C-8995-5DC4-7449BDC54702}"/>
+                </a:ext>
+              </a:extLst>
+            </p:cNvPr>
+            <p:cNvSpPr/>
+            <p:nvPr/>
+          </p:nvSpPr>
+          <p:spPr>
+            <a:xfrm>
+              <a:off x="9142110" y="3071472"/>
+              <a:ext cx="99237" cy="99237"/>
+            </a:xfrm>
+            <a:prstGeom prst="ellipse">
+              <a:avLst/>
+            </a:prstGeom>
+            <a:solidFill>
+              <a:srgbClr val="FF0000"/>
+            </a:solidFill>
+            <a:ln w="3175">
+              <a:solidFill>
+                <a:schemeClr val="tx1">
+                  <a:lumMod val="95000"/>
+                  <a:lumOff val="5000"/>
+                </a:schemeClr>
+              </a:solidFill>
+            </a:ln>
+          </p:spPr>
+          <p:style>
+            <a:lnRef idx="2">
+              <a:schemeClr val="accent1">
+                <a:shade val="15000"/>
+              </a:schemeClr>
+            </a:lnRef>
+            <a:fillRef idx="1">
+              <a:schemeClr val="accent1"/>
+            </a:fillRef>
+            <a:effectRef idx="0">
+              <a:schemeClr val="accent1"/>
+            </a:effectRef>
+            <a:fontRef idx="minor">
+              <a:schemeClr val="lt1"/>
+            </a:fontRef>
+          </p:style>
+          <p:txBody>
+            <a:bodyPr rtlCol="0" anchor="ctr"/>
+            <a:lstStyle/>
+            <a:p>
+              <a:pPr algn="ctr"/>
+              <a:endParaRPr lang="en-DK"/>
+            </a:p>
+          </p:txBody>
+        </p:sp>
+        <p:sp>
+          <p:nvSpPr>
+            <p:cNvPr id="45" name="Oval 44">
+              <a:extLst>
+                <a:ext uri="{FF2B5EF4-FFF2-40B4-BE49-F238E27FC236}">
+                  <a16:creationId xmlns:a16="http://schemas.microsoft.com/office/drawing/2014/main" id="{31BE557A-4ED8-BF1F-E88B-02765303B3BD}"/>
+                </a:ext>
+              </a:extLst>
+            </p:cNvPr>
+            <p:cNvSpPr/>
+            <p:nvPr/>
+          </p:nvSpPr>
+          <p:spPr>
+            <a:xfrm>
+              <a:off x="9451280" y="2831055"/>
+              <a:ext cx="99237" cy="99237"/>
+            </a:xfrm>
+            <a:prstGeom prst="ellipse">
+              <a:avLst/>
+            </a:prstGeom>
+            <a:solidFill>
+              <a:srgbClr val="FF0000"/>
+            </a:solidFill>
+            <a:ln w="3175">
+              <a:solidFill>
+                <a:schemeClr val="tx1">
+                  <a:lumMod val="95000"/>
+                  <a:lumOff val="5000"/>
+                </a:schemeClr>
+              </a:solidFill>
+            </a:ln>
+          </p:spPr>
+          <p:style>
+            <a:lnRef idx="2">
+              <a:schemeClr val="accent1">
+                <a:shade val="15000"/>
+              </a:schemeClr>
+            </a:lnRef>
+            <a:fillRef idx="1">
+              <a:schemeClr val="accent1"/>
+            </a:fillRef>
+            <a:effectRef idx="0">
+              <a:schemeClr val="accent1"/>
+            </a:effectRef>
+            <a:fontRef idx="minor">
+              <a:schemeClr val="lt1"/>
+            </a:fontRef>
+          </p:style>
+          <p:txBody>
+            <a:bodyPr rtlCol="0" anchor="ctr"/>
+            <a:lstStyle/>
+            <a:p>
+              <a:pPr algn="ctr"/>
+              <a:endParaRPr lang="en-DK"/>
+            </a:p>
+          </p:txBody>
+        </p:sp>
+        <p:sp>
+          <p:nvSpPr>
+            <p:cNvPr id="46" name="Oval 45">
+              <a:extLst>
+                <a:ext uri="{FF2B5EF4-FFF2-40B4-BE49-F238E27FC236}">
+                  <a16:creationId xmlns:a16="http://schemas.microsoft.com/office/drawing/2014/main" id="{E272C3B0-9C13-34E0-7BBA-588F1C6C69B7}"/>
+                </a:ext>
+              </a:extLst>
+            </p:cNvPr>
+            <p:cNvSpPr/>
+            <p:nvPr/>
+          </p:nvSpPr>
+          <p:spPr>
+            <a:xfrm>
+              <a:off x="9663104" y="2622709"/>
+              <a:ext cx="99237" cy="99237"/>
+            </a:xfrm>
+            <a:prstGeom prst="ellipse">
+              <a:avLst/>
+            </a:prstGeom>
+            <a:solidFill>
+              <a:srgbClr val="FF0000"/>
+            </a:solidFill>
+            <a:ln w="3175">
+              <a:solidFill>
+                <a:schemeClr val="tx1">
+                  <a:lumMod val="95000"/>
+                  <a:lumOff val="5000"/>
+                </a:schemeClr>
+              </a:solidFill>
+            </a:ln>
+          </p:spPr>
+          <p:style>
+            <a:lnRef idx="2">
+              <a:schemeClr val="accent1">
+                <a:shade val="15000"/>
+              </a:schemeClr>
+            </a:lnRef>
+            <a:fillRef idx="1">
+              <a:schemeClr val="accent1"/>
+            </a:fillRef>
+            <a:effectRef idx="0">
+              <a:schemeClr val="accent1"/>
+            </a:effectRef>
+            <a:fontRef idx="minor">
+              <a:schemeClr val="lt1"/>
+            </a:fontRef>
+          </p:style>
+          <p:txBody>
+            <a:bodyPr rtlCol="0" anchor="ctr"/>
+            <a:lstStyle/>
+            <a:p>
+              <a:pPr algn="ctr"/>
+              <a:endParaRPr lang="en-DK"/>
+            </a:p>
+          </p:txBody>
+        </p:sp>
+        <p:cxnSp>
+          <p:nvCxnSpPr>
+            <p:cNvPr id="48" name="Straight Arrow Connector 47">
+              <a:extLst>
+                <a:ext uri="{FF2B5EF4-FFF2-40B4-BE49-F238E27FC236}">
+                  <a16:creationId xmlns:a16="http://schemas.microsoft.com/office/drawing/2014/main" id="{9B4B6DD2-9EDC-DDE1-7B15-E0C17CA7F927}"/>
+                </a:ext>
+              </a:extLst>
+            </p:cNvPr>
+            <p:cNvCxnSpPr/>
+            <p:nvPr/>
+          </p:nvCxnSpPr>
+          <p:spPr>
+            <a:xfrm>
+              <a:off x="10184098" y="3877090"/>
+              <a:ext cx="1857153" cy="0"/>
+            </a:xfrm>
+            <a:prstGeom prst="straightConnector1">
+              <a:avLst/>
+            </a:prstGeom>
+            <a:ln w="38100">
+              <a:tailEnd type="triangle"/>
+            </a:ln>
+          </p:spPr>
+          <p:style>
+            <a:lnRef idx="2">
+              <a:schemeClr val="accent1"/>
+            </a:lnRef>
+            <a:fillRef idx="0">
+              <a:schemeClr val="accent1"/>
+            </a:fillRef>
+            <a:effectRef idx="1">
+              <a:schemeClr val="accent1"/>
+            </a:effectRef>
+            <a:fontRef idx="minor">
+              <a:schemeClr val="tx1"/>
+            </a:fontRef>
+          </p:style>
+        </p:cxnSp>
+        <p:cxnSp>
+          <p:nvCxnSpPr>
+            <p:cNvPr id="49" name="Straight Arrow Connector 48">
+              <a:extLst>
+                <a:ext uri="{FF2B5EF4-FFF2-40B4-BE49-F238E27FC236}">
+                  <a16:creationId xmlns:a16="http://schemas.microsoft.com/office/drawing/2014/main" id="{43AADA7E-7C61-30C2-5147-144F06FF8B0A}"/>
+                </a:ext>
+              </a:extLst>
+            </p:cNvPr>
+            <p:cNvCxnSpPr>
+              <a:cxnSpLocks/>
+            </p:cNvCxnSpPr>
+            <p:nvPr/>
+          </p:nvCxnSpPr>
+          <p:spPr>
+            <a:xfrm flipV="1">
+              <a:off x="10184098" y="2335369"/>
+              <a:ext cx="0" cy="1541721"/>
+            </a:xfrm>
+            <a:prstGeom prst="straightConnector1">
+              <a:avLst/>
+            </a:prstGeom>
+            <a:ln w="38100">
+              <a:tailEnd type="triangle"/>
+            </a:ln>
+          </p:spPr>
+          <p:style>
+            <a:lnRef idx="2">
+              <a:schemeClr val="accent1"/>
+            </a:lnRef>
+            <a:fillRef idx="0">
+              <a:schemeClr val="accent1"/>
+            </a:fillRef>
+            <a:effectRef idx="1">
+              <a:schemeClr val="accent1"/>
+            </a:effectRef>
+            <a:fontRef idx="minor">
+              <a:schemeClr val="tx1"/>
+            </a:fontRef>
+          </p:style>
+        </p:cxnSp>
+        <p:sp>
+          <p:nvSpPr>
+            <p:cNvPr id="50" name="Oval 49">
+              <a:extLst>
+                <a:ext uri="{FF2B5EF4-FFF2-40B4-BE49-F238E27FC236}">
+                  <a16:creationId xmlns:a16="http://schemas.microsoft.com/office/drawing/2014/main" id="{4DBFAD57-9BE9-1D8C-E81D-3F97E78F9E30}"/>
+                </a:ext>
+              </a:extLst>
+            </p:cNvPr>
+            <p:cNvSpPr/>
+            <p:nvPr/>
+          </p:nvSpPr>
+          <p:spPr>
+            <a:xfrm>
+              <a:off x="10308149" y="3660888"/>
+              <a:ext cx="99237" cy="99237"/>
+            </a:xfrm>
+            <a:prstGeom prst="ellipse">
+              <a:avLst/>
+            </a:prstGeom>
+            <a:solidFill>
+              <a:srgbClr val="FF0000"/>
+            </a:solidFill>
+            <a:ln w="3175">
+              <a:solidFill>
+                <a:schemeClr val="tx1">
+                  <a:lumMod val="95000"/>
+                  <a:lumOff val="5000"/>
+                </a:schemeClr>
+              </a:solidFill>
+            </a:ln>
+          </p:spPr>
+          <p:style>
+            <a:lnRef idx="2">
+              <a:schemeClr val="accent1">
+                <a:shade val="15000"/>
+              </a:schemeClr>
+            </a:lnRef>
+            <a:fillRef idx="1">
+              <a:schemeClr val="accent1"/>
+            </a:fillRef>
+            <a:effectRef idx="0">
+              <a:schemeClr val="accent1"/>
+            </a:effectRef>
+            <a:fontRef idx="minor">
+              <a:schemeClr val="lt1"/>
+            </a:fontRef>
+          </p:style>
+          <p:txBody>
+            <a:bodyPr rtlCol="0" anchor="ctr"/>
+            <a:lstStyle/>
+            <a:p>
+              <a:pPr algn="ctr"/>
+              <a:endParaRPr lang="en-DK"/>
+            </a:p>
+          </p:txBody>
+        </p:sp>
+        <p:sp>
+          <p:nvSpPr>
+            <p:cNvPr id="51" name="Oval 50">
+              <a:extLst>
+                <a:ext uri="{FF2B5EF4-FFF2-40B4-BE49-F238E27FC236}">
+                  <a16:creationId xmlns:a16="http://schemas.microsoft.com/office/drawing/2014/main" id="{447D0A3B-6D4C-F284-460F-AC9DFC60DD08}"/>
+                </a:ext>
+              </a:extLst>
+            </p:cNvPr>
+            <p:cNvSpPr/>
+            <p:nvPr/>
+          </p:nvSpPr>
+          <p:spPr>
+            <a:xfrm>
+              <a:off x="10456999" y="3416343"/>
+              <a:ext cx="99237" cy="99237"/>
+            </a:xfrm>
+            <a:prstGeom prst="ellipse">
+              <a:avLst/>
+            </a:prstGeom>
+            <a:solidFill>
+              <a:srgbClr val="FF0000"/>
+            </a:solidFill>
+            <a:ln w="3175">
+              <a:solidFill>
+                <a:schemeClr val="tx1">
+                  <a:lumMod val="95000"/>
+                  <a:lumOff val="5000"/>
+                </a:schemeClr>
+              </a:solidFill>
+            </a:ln>
+          </p:spPr>
+          <p:style>
+            <a:lnRef idx="2">
+              <a:schemeClr val="accent1">
+                <a:shade val="15000"/>
+              </a:schemeClr>
+            </a:lnRef>
+            <a:fillRef idx="1">
+              <a:schemeClr val="accent1"/>
+            </a:fillRef>
+            <a:effectRef idx="0">
+              <a:schemeClr val="accent1"/>
+            </a:effectRef>
+            <a:fontRef idx="minor">
+              <a:schemeClr val="lt1"/>
+            </a:fontRef>
+          </p:style>
+          <p:txBody>
+            <a:bodyPr rtlCol="0" anchor="ctr"/>
+            <a:lstStyle/>
+            <a:p>
+              <a:pPr algn="ctr"/>
+              <a:endParaRPr lang="en-DK"/>
+            </a:p>
+          </p:txBody>
+        </p:sp>
+        <p:sp>
+          <p:nvSpPr>
+            <p:cNvPr id="52" name="Oval 51">
+              <a:extLst>
+                <a:ext uri="{FF2B5EF4-FFF2-40B4-BE49-F238E27FC236}">
+                  <a16:creationId xmlns:a16="http://schemas.microsoft.com/office/drawing/2014/main" id="{FECB0540-552E-EECD-9909-CC3BD1794ACD}"/>
+                </a:ext>
+              </a:extLst>
+            </p:cNvPr>
+            <p:cNvSpPr/>
+            <p:nvPr/>
+          </p:nvSpPr>
+          <p:spPr>
+            <a:xfrm>
+              <a:off x="10765346" y="3139894"/>
+              <a:ext cx="99237" cy="99237"/>
+            </a:xfrm>
+            <a:prstGeom prst="ellipse">
+              <a:avLst/>
+            </a:prstGeom>
+            <a:solidFill>
+              <a:srgbClr val="FF0000"/>
+            </a:solidFill>
+            <a:ln w="3175">
+              <a:solidFill>
+                <a:schemeClr val="tx1">
+                  <a:lumMod val="95000"/>
+                  <a:lumOff val="5000"/>
+                </a:schemeClr>
+              </a:solidFill>
+            </a:ln>
+          </p:spPr>
+          <p:style>
+            <a:lnRef idx="2">
+              <a:schemeClr val="accent1">
+                <a:shade val="15000"/>
+              </a:schemeClr>
+            </a:lnRef>
+            <a:fillRef idx="1">
+              <a:schemeClr val="accent1"/>
+            </a:fillRef>
+            <a:effectRef idx="0">
+              <a:schemeClr val="accent1"/>
+            </a:effectRef>
+            <a:fontRef idx="minor">
+              <a:schemeClr val="lt1"/>
+            </a:fontRef>
+          </p:style>
+          <p:txBody>
+            <a:bodyPr rtlCol="0" anchor="ctr"/>
+            <a:lstStyle/>
+            <a:p>
+              <a:pPr algn="ctr"/>
+              <a:endParaRPr lang="en-DK"/>
+            </a:p>
+          </p:txBody>
+        </p:sp>
+        <p:sp>
+          <p:nvSpPr>
+            <p:cNvPr id="53" name="Oval 52">
+              <a:extLst>
+                <a:ext uri="{FF2B5EF4-FFF2-40B4-BE49-F238E27FC236}">
+                  <a16:creationId xmlns:a16="http://schemas.microsoft.com/office/drawing/2014/main" id="{6C9925C9-21B5-6593-B2EE-3B13C4B3873C}"/>
+                </a:ext>
+              </a:extLst>
+            </p:cNvPr>
+            <p:cNvSpPr/>
+            <p:nvPr/>
+          </p:nvSpPr>
+          <p:spPr>
+            <a:xfrm>
+              <a:off x="11126848" y="3033566"/>
+              <a:ext cx="99237" cy="99237"/>
+            </a:xfrm>
+            <a:prstGeom prst="ellipse">
+              <a:avLst/>
+            </a:prstGeom>
+            <a:solidFill>
+              <a:srgbClr val="FF0000"/>
+            </a:solidFill>
+            <a:ln w="3175">
+              <a:solidFill>
+                <a:schemeClr val="tx1">
+                  <a:lumMod val="95000"/>
+                  <a:lumOff val="5000"/>
+                </a:schemeClr>
+              </a:solidFill>
+            </a:ln>
+          </p:spPr>
+          <p:style>
+            <a:lnRef idx="2">
+              <a:schemeClr val="accent1">
+                <a:shade val="15000"/>
+              </a:schemeClr>
+            </a:lnRef>
+            <a:fillRef idx="1">
+              <a:schemeClr val="accent1"/>
+            </a:fillRef>
+            <a:effectRef idx="0">
+              <a:schemeClr val="accent1"/>
+            </a:effectRef>
+            <a:fontRef idx="minor">
+              <a:schemeClr val="lt1"/>
+            </a:fontRef>
+          </p:style>
+          <p:txBody>
+            <a:bodyPr rtlCol="0" anchor="ctr"/>
+            <a:lstStyle/>
+            <a:p>
+              <a:pPr algn="ctr"/>
+              <a:endParaRPr lang="en-DK"/>
+            </a:p>
+          </p:txBody>
+        </p:sp>
+        <p:sp>
+          <p:nvSpPr>
+            <p:cNvPr id="54" name="Oval 53">
+              <a:extLst>
+                <a:ext uri="{FF2B5EF4-FFF2-40B4-BE49-F238E27FC236}">
+                  <a16:creationId xmlns:a16="http://schemas.microsoft.com/office/drawing/2014/main" id="{3E3D7102-4C64-D542-E089-50CB668D5F15}"/>
+                </a:ext>
+              </a:extLst>
+            </p:cNvPr>
+            <p:cNvSpPr/>
+            <p:nvPr/>
+          </p:nvSpPr>
+          <p:spPr>
+            <a:xfrm>
+              <a:off x="11520258" y="3001666"/>
+              <a:ext cx="99237" cy="99237"/>
+            </a:xfrm>
+            <a:prstGeom prst="ellipse">
+              <a:avLst/>
+            </a:prstGeom>
+            <a:solidFill>
+              <a:srgbClr val="FF0000"/>
+            </a:solidFill>
+            <a:ln w="3175">
+              <a:solidFill>
+                <a:schemeClr val="tx1">
+                  <a:lumMod val="95000"/>
+                  <a:lumOff val="5000"/>
+                </a:schemeClr>
+              </a:solidFill>
+            </a:ln>
+          </p:spPr>
+          <p:style>
+            <a:lnRef idx="2">
+              <a:schemeClr val="accent1">
+                <a:shade val="15000"/>
+              </a:schemeClr>
+            </a:lnRef>
+            <a:fillRef idx="1">
+              <a:schemeClr val="accent1"/>
+            </a:fillRef>
+            <a:effectRef idx="0">
+              <a:schemeClr val="accent1"/>
+            </a:effectRef>
+            <a:fontRef idx="minor">
+              <a:schemeClr val="lt1"/>
+            </a:fontRef>
+          </p:style>
+          <p:txBody>
+            <a:bodyPr rtlCol="0" anchor="ctr"/>
+            <a:lstStyle/>
+            <a:p>
+              <a:pPr algn="ctr"/>
+              <a:endParaRPr lang="en-DK"/>
+            </a:p>
+          </p:txBody>
+        </p:sp>
+        <p:pic>
+          <p:nvPicPr>
+            <p:cNvPr id="55" name="Graphic 54" descr="Tick with solid fill">
+              <a:extLst>
+                <a:ext uri="{FF2B5EF4-FFF2-40B4-BE49-F238E27FC236}">
+                  <a16:creationId xmlns:a16="http://schemas.microsoft.com/office/drawing/2014/main" id="{5132760D-A75D-BAAF-10B1-C4B65D9E4A38}"/>
+                </a:ext>
+              </a:extLst>
+            </p:cNvPr>
+            <p:cNvPicPr>
+              <a:picLocks noChangeAspect="1"/>
+            </p:cNvPicPr>
+            <p:nvPr/>
+          </p:nvPicPr>
+          <p:blipFill>
+            <a:blip r:embed="rId2">
+              <a:extLst>
+                <a:ext uri="{96DAC541-7B7A-43D3-8B79-37D633B846F1}">
+                  <asvg:svgBlip xmlns:asvg="http://schemas.microsoft.com/office/drawing/2016/SVG/main" r:embed="rId3"/>
+                </a:ext>
+              </a:extLst>
+            </a:blip>
+            <a:stretch>
+              <a:fillRect/>
+            </a:stretch>
+          </p:blipFill>
+          <p:spPr>
+            <a:xfrm>
+              <a:off x="10490787" y="2617246"/>
+              <a:ext cx="1079089" cy="1079089"/>
+            </a:xfrm>
+            <a:prstGeom prst="rect">
+              <a:avLst/>
+            </a:prstGeom>
+          </p:spPr>
+        </p:pic>
+        <p:cxnSp>
+          <p:nvCxnSpPr>
+            <p:cNvPr id="56" name="Straight Arrow Connector 55">
+              <a:extLst>
+                <a:ext uri="{FF2B5EF4-FFF2-40B4-BE49-F238E27FC236}">
+                  <a16:creationId xmlns:a16="http://schemas.microsoft.com/office/drawing/2014/main" id="{25792063-5266-C341-8F02-11FB40B9F15E}"/>
+                </a:ext>
+              </a:extLst>
+            </p:cNvPr>
+            <p:cNvCxnSpPr/>
+            <p:nvPr/>
+          </p:nvCxnSpPr>
+          <p:spPr>
+            <a:xfrm>
+              <a:off x="6016131" y="5819585"/>
+              <a:ext cx="1857153" cy="0"/>
+            </a:xfrm>
+            <a:prstGeom prst="straightConnector1">
+              <a:avLst/>
+            </a:prstGeom>
+            <a:ln w="38100">
+              <a:tailEnd type="triangle"/>
+            </a:ln>
+          </p:spPr>
+          <p:style>
+            <a:lnRef idx="2">
+              <a:schemeClr val="accent1"/>
+            </a:lnRef>
+            <a:fillRef idx="0">
+              <a:schemeClr val="accent1"/>
+            </a:fillRef>
+            <a:effectRef idx="1">
+              <a:schemeClr val="accent1"/>
+            </a:effectRef>
+            <a:fontRef idx="minor">
+              <a:schemeClr val="tx1"/>
+            </a:fontRef>
+          </p:style>
+        </p:cxnSp>
+        <p:cxnSp>
+          <p:nvCxnSpPr>
+            <p:cNvPr id="57" name="Straight Arrow Connector 56">
+              <a:extLst>
+                <a:ext uri="{FF2B5EF4-FFF2-40B4-BE49-F238E27FC236}">
+                  <a16:creationId xmlns:a16="http://schemas.microsoft.com/office/drawing/2014/main" id="{9A8DBA07-E598-228F-E818-7C37A9EEE37E}"/>
+                </a:ext>
+              </a:extLst>
+            </p:cNvPr>
+            <p:cNvCxnSpPr>
+              <a:cxnSpLocks/>
+            </p:cNvCxnSpPr>
+            <p:nvPr/>
+          </p:nvCxnSpPr>
+          <p:spPr>
+            <a:xfrm flipV="1">
+              <a:off x="6016131" y="4277864"/>
+              <a:ext cx="0" cy="1541721"/>
+            </a:xfrm>
+            <a:prstGeom prst="straightConnector1">
+              <a:avLst/>
+            </a:prstGeom>
+            <a:ln w="38100">
+              <a:tailEnd type="triangle"/>
+            </a:ln>
+          </p:spPr>
+          <p:style>
+            <a:lnRef idx="2">
+              <a:schemeClr val="accent1"/>
+            </a:lnRef>
+            <a:fillRef idx="0">
+              <a:schemeClr val="accent1"/>
+            </a:fillRef>
+            <a:effectRef idx="1">
+              <a:schemeClr val="accent1"/>
+            </a:effectRef>
+            <a:fontRef idx="minor">
+              <a:schemeClr val="tx1"/>
+            </a:fontRef>
+          </p:style>
+        </p:cxnSp>
+        <p:sp>
+          <p:nvSpPr>
+            <p:cNvPr id="58" name="Oval 57">
+              <a:extLst>
+                <a:ext uri="{FF2B5EF4-FFF2-40B4-BE49-F238E27FC236}">
+                  <a16:creationId xmlns:a16="http://schemas.microsoft.com/office/drawing/2014/main" id="{CA0E9B76-8614-5F05-2842-BAD676EEE7CC}"/>
+                </a:ext>
+              </a:extLst>
+            </p:cNvPr>
+            <p:cNvSpPr/>
+            <p:nvPr/>
+          </p:nvSpPr>
+          <p:spPr>
+            <a:xfrm>
+              <a:off x="6140182" y="5603383"/>
+              <a:ext cx="99237" cy="99237"/>
+            </a:xfrm>
+            <a:prstGeom prst="ellipse">
+              <a:avLst/>
+            </a:prstGeom>
+            <a:solidFill>
+              <a:srgbClr val="FF0000"/>
+            </a:solidFill>
+            <a:ln w="3175">
+              <a:solidFill>
+                <a:schemeClr val="tx1">
+                  <a:lumMod val="95000"/>
+                  <a:lumOff val="5000"/>
+                </a:schemeClr>
+              </a:solidFill>
+            </a:ln>
+          </p:spPr>
+          <p:style>
+            <a:lnRef idx="2">
+              <a:schemeClr val="accent1">
+                <a:shade val="15000"/>
+              </a:schemeClr>
+            </a:lnRef>
+            <a:fillRef idx="1">
+              <a:schemeClr val="accent1"/>
+            </a:fillRef>
+            <a:effectRef idx="0">
+              <a:schemeClr val="accent1"/>
+            </a:effectRef>
+            <a:fontRef idx="minor">
+              <a:schemeClr val="lt1"/>
+            </a:fontRef>
+          </p:style>
+          <p:txBody>
+            <a:bodyPr rtlCol="0" anchor="ctr"/>
+            <a:lstStyle/>
+            <a:p>
+              <a:pPr algn="ctr"/>
+              <a:endParaRPr lang="en-DK"/>
+            </a:p>
+          </p:txBody>
+        </p:sp>
+        <p:sp>
+          <p:nvSpPr>
+            <p:cNvPr id="59" name="Oval 58">
+              <a:extLst>
+                <a:ext uri="{FF2B5EF4-FFF2-40B4-BE49-F238E27FC236}">
+                  <a16:creationId xmlns:a16="http://schemas.microsoft.com/office/drawing/2014/main" id="{96BBD256-AA61-4173-9A9C-2D520E6ACF00}"/>
+                </a:ext>
+              </a:extLst>
+            </p:cNvPr>
+            <p:cNvSpPr/>
+            <p:nvPr/>
+          </p:nvSpPr>
+          <p:spPr>
+            <a:xfrm>
+              <a:off x="6289032" y="5358838"/>
+              <a:ext cx="99237" cy="99237"/>
+            </a:xfrm>
+            <a:prstGeom prst="ellipse">
+              <a:avLst/>
+            </a:prstGeom>
+            <a:solidFill>
+              <a:srgbClr val="FF0000"/>
+            </a:solidFill>
+            <a:ln w="3175">
+              <a:solidFill>
+                <a:schemeClr val="tx1">
+                  <a:lumMod val="95000"/>
+                  <a:lumOff val="5000"/>
+                </a:schemeClr>
+              </a:solidFill>
+            </a:ln>
+          </p:spPr>
+          <p:style>
+            <a:lnRef idx="2">
+              <a:schemeClr val="accent1">
+                <a:shade val="15000"/>
+              </a:schemeClr>
+            </a:lnRef>
+            <a:fillRef idx="1">
+              <a:schemeClr val="accent1"/>
+            </a:fillRef>
+            <a:effectRef idx="0">
+              <a:schemeClr val="accent1"/>
+            </a:effectRef>
+            <a:fontRef idx="minor">
+              <a:schemeClr val="lt1"/>
+            </a:fontRef>
+          </p:style>
+          <p:txBody>
+            <a:bodyPr rtlCol="0" anchor="ctr"/>
+            <a:lstStyle/>
+            <a:p>
+              <a:pPr algn="ctr"/>
+              <a:endParaRPr lang="en-DK"/>
+            </a:p>
+          </p:txBody>
+        </p:sp>
+        <p:sp>
+          <p:nvSpPr>
+            <p:cNvPr id="60" name="Oval 59">
+              <a:extLst>
+                <a:ext uri="{FF2B5EF4-FFF2-40B4-BE49-F238E27FC236}">
+                  <a16:creationId xmlns:a16="http://schemas.microsoft.com/office/drawing/2014/main" id="{94478C48-1BC8-88C7-3CB4-5369C113599D}"/>
+                </a:ext>
+              </a:extLst>
+            </p:cNvPr>
+            <p:cNvSpPr/>
+            <p:nvPr/>
+          </p:nvSpPr>
+          <p:spPr>
+            <a:xfrm>
+              <a:off x="6597379" y="5082389"/>
+              <a:ext cx="99237" cy="99237"/>
+            </a:xfrm>
+            <a:prstGeom prst="ellipse">
+              <a:avLst/>
+            </a:prstGeom>
+            <a:solidFill>
+              <a:srgbClr val="FF0000"/>
+            </a:solidFill>
+            <a:ln w="3175">
+              <a:solidFill>
+                <a:schemeClr val="tx1">
+                  <a:lumMod val="95000"/>
+                  <a:lumOff val="5000"/>
+                </a:schemeClr>
+              </a:solidFill>
+            </a:ln>
+          </p:spPr>
+          <p:style>
+            <a:lnRef idx="2">
+              <a:schemeClr val="accent1">
+                <a:shade val="15000"/>
+              </a:schemeClr>
+            </a:lnRef>
+            <a:fillRef idx="1">
+              <a:schemeClr val="accent1"/>
+            </a:fillRef>
+            <a:effectRef idx="0">
+              <a:schemeClr val="accent1"/>
+            </a:effectRef>
+            <a:fontRef idx="minor">
+              <a:schemeClr val="lt1"/>
+            </a:fontRef>
+          </p:style>
+          <p:txBody>
+            <a:bodyPr rtlCol="0" anchor="ctr"/>
+            <a:lstStyle/>
+            <a:p>
+              <a:pPr algn="ctr"/>
+              <a:endParaRPr lang="en-DK"/>
+            </a:p>
+          </p:txBody>
+        </p:sp>
+        <p:sp>
+          <p:nvSpPr>
+            <p:cNvPr id="61" name="Oval 60">
+              <a:extLst>
+                <a:ext uri="{FF2B5EF4-FFF2-40B4-BE49-F238E27FC236}">
+                  <a16:creationId xmlns:a16="http://schemas.microsoft.com/office/drawing/2014/main" id="{C30E492E-88AA-DEE7-4A0E-05A131C0936D}"/>
+                </a:ext>
+              </a:extLst>
+            </p:cNvPr>
+            <p:cNvSpPr/>
+            <p:nvPr/>
+          </p:nvSpPr>
+          <p:spPr>
+            <a:xfrm>
+              <a:off x="6958881" y="4976061"/>
+              <a:ext cx="99237" cy="99237"/>
+            </a:xfrm>
+            <a:prstGeom prst="ellipse">
+              <a:avLst/>
+            </a:prstGeom>
+            <a:solidFill>
+              <a:srgbClr val="FF0000"/>
+            </a:solidFill>
+            <a:ln w="3175">
+              <a:solidFill>
+                <a:schemeClr val="tx1">
+                  <a:lumMod val="95000"/>
+                  <a:lumOff val="5000"/>
+                </a:schemeClr>
+              </a:solidFill>
+            </a:ln>
+          </p:spPr>
+          <p:style>
+            <a:lnRef idx="2">
+              <a:schemeClr val="accent1">
+                <a:shade val="15000"/>
+              </a:schemeClr>
+            </a:lnRef>
+            <a:fillRef idx="1">
+              <a:schemeClr val="accent1"/>
+            </a:fillRef>
+            <a:effectRef idx="0">
+              <a:schemeClr val="accent1"/>
+            </a:effectRef>
+            <a:fontRef idx="minor">
+              <a:schemeClr val="lt1"/>
+            </a:fontRef>
+          </p:style>
+          <p:txBody>
+            <a:bodyPr rtlCol="0" anchor="ctr"/>
+            <a:lstStyle/>
+            <a:p>
+              <a:pPr algn="ctr"/>
+              <a:endParaRPr lang="en-DK"/>
+            </a:p>
+          </p:txBody>
+        </p:sp>
+        <p:sp>
+          <p:nvSpPr>
+            <p:cNvPr id="62" name="Oval 61">
+              <a:extLst>
+                <a:ext uri="{FF2B5EF4-FFF2-40B4-BE49-F238E27FC236}">
+                  <a16:creationId xmlns:a16="http://schemas.microsoft.com/office/drawing/2014/main" id="{47F4BA92-DB22-90EB-B625-7429A65A783D}"/>
+                </a:ext>
+              </a:extLst>
+            </p:cNvPr>
+            <p:cNvSpPr/>
+            <p:nvPr/>
+          </p:nvSpPr>
+          <p:spPr>
+            <a:xfrm>
+              <a:off x="7352291" y="4944161"/>
+              <a:ext cx="99237" cy="99237"/>
+            </a:xfrm>
+            <a:prstGeom prst="ellipse">
+              <a:avLst/>
+            </a:prstGeom>
+            <a:solidFill>
+              <a:srgbClr val="FF0000"/>
+            </a:solidFill>
+            <a:ln w="3175">
+              <a:solidFill>
+                <a:schemeClr val="tx1">
+                  <a:lumMod val="95000"/>
+                  <a:lumOff val="5000"/>
+                </a:schemeClr>
+              </a:solidFill>
+            </a:ln>
+          </p:spPr>
+          <p:style>
+            <a:lnRef idx="2">
+              <a:schemeClr val="accent1">
+                <a:shade val="15000"/>
+              </a:schemeClr>
+            </a:lnRef>
+            <a:fillRef idx="1">
+              <a:schemeClr val="accent1"/>
+            </a:fillRef>
+            <a:effectRef idx="0">
+              <a:schemeClr val="accent1"/>
+            </a:effectRef>
+            <a:fontRef idx="minor">
+              <a:schemeClr val="lt1"/>
+            </a:fontRef>
+          </p:style>
+          <p:txBody>
+            <a:bodyPr rtlCol="0" anchor="ctr"/>
+            <a:lstStyle/>
+            <a:p>
+              <a:pPr algn="ctr"/>
+              <a:endParaRPr lang="en-DK"/>
+            </a:p>
+          </p:txBody>
+        </p:sp>
+        <p:pic>
+          <p:nvPicPr>
+            <p:cNvPr id="63" name="Graphic 62" descr="Tick with solid fill">
+              <a:extLst>
+                <a:ext uri="{FF2B5EF4-FFF2-40B4-BE49-F238E27FC236}">
+                  <a16:creationId xmlns:a16="http://schemas.microsoft.com/office/drawing/2014/main" id="{F2116F11-5C33-8CDE-EBEF-417CD09F5042}"/>
+                </a:ext>
+              </a:extLst>
+            </p:cNvPr>
+            <p:cNvPicPr>
+              <a:picLocks noChangeAspect="1"/>
+            </p:cNvPicPr>
+            <p:nvPr/>
+          </p:nvPicPr>
+          <p:blipFill>
+            <a:blip r:embed="rId2">
+              <a:extLst>
+                <a:ext uri="{96DAC541-7B7A-43D3-8B79-37D633B846F1}">
+                  <asvg:svgBlip xmlns:asvg="http://schemas.microsoft.com/office/drawing/2016/SVG/main" r:embed="rId3"/>
+                </a:ext>
+              </a:extLst>
+            </a:blip>
+            <a:stretch>
+              <a:fillRect/>
+            </a:stretch>
+          </p:blipFill>
+          <p:spPr>
+            <a:xfrm>
+              <a:off x="6322820" y="4559741"/>
+              <a:ext cx="1079089" cy="1079089"/>
+            </a:xfrm>
+            <a:prstGeom prst="rect">
+              <a:avLst/>
+            </a:prstGeom>
+          </p:spPr>
+        </p:pic>
+        <p:cxnSp>
+          <p:nvCxnSpPr>
+            <p:cNvPr id="64" name="Straight Arrow Connector 63">
+              <a:extLst>
+                <a:ext uri="{FF2B5EF4-FFF2-40B4-BE49-F238E27FC236}">
+                  <a16:creationId xmlns:a16="http://schemas.microsoft.com/office/drawing/2014/main" id="{18BE28D9-722C-EDBD-B5E9-100ED50AF179}"/>
+                </a:ext>
+              </a:extLst>
+            </p:cNvPr>
+            <p:cNvCxnSpPr/>
+            <p:nvPr/>
+          </p:nvCxnSpPr>
+          <p:spPr>
+            <a:xfrm>
+              <a:off x="8037970" y="5819585"/>
+              <a:ext cx="1857153" cy="0"/>
+            </a:xfrm>
+            <a:prstGeom prst="straightConnector1">
+              <a:avLst/>
+            </a:prstGeom>
+            <a:ln w="38100">
+              <a:tailEnd type="triangle"/>
+            </a:ln>
+          </p:spPr>
+          <p:style>
+            <a:lnRef idx="2">
+              <a:schemeClr val="accent1"/>
+            </a:lnRef>
+            <a:fillRef idx="0">
+              <a:schemeClr val="accent1"/>
+            </a:fillRef>
+            <a:effectRef idx="1">
+              <a:schemeClr val="accent1"/>
+            </a:effectRef>
+            <a:fontRef idx="minor">
+              <a:schemeClr val="tx1"/>
+            </a:fontRef>
+          </p:style>
+        </p:cxnSp>
+        <p:cxnSp>
+          <p:nvCxnSpPr>
+            <p:cNvPr id="65" name="Straight Arrow Connector 64">
+              <a:extLst>
+                <a:ext uri="{FF2B5EF4-FFF2-40B4-BE49-F238E27FC236}">
+                  <a16:creationId xmlns:a16="http://schemas.microsoft.com/office/drawing/2014/main" id="{2D55B84E-3E60-4C10-4BFE-99F2207728D6}"/>
+                </a:ext>
+              </a:extLst>
+            </p:cNvPr>
+            <p:cNvCxnSpPr>
+              <a:cxnSpLocks/>
+            </p:cNvCxnSpPr>
+            <p:nvPr/>
+          </p:nvCxnSpPr>
+          <p:spPr>
+            <a:xfrm flipV="1">
+              <a:off x="8037970" y="4277864"/>
+              <a:ext cx="0" cy="1541721"/>
+            </a:xfrm>
+            <a:prstGeom prst="straightConnector1">
+              <a:avLst/>
+            </a:prstGeom>
+            <a:ln w="38100">
+              <a:tailEnd type="triangle"/>
+            </a:ln>
+          </p:spPr>
+          <p:style>
+            <a:lnRef idx="2">
+              <a:schemeClr val="accent1"/>
+            </a:lnRef>
+            <a:fillRef idx="0">
+              <a:schemeClr val="accent1"/>
+            </a:fillRef>
+            <a:effectRef idx="1">
+              <a:schemeClr val="accent1"/>
+            </a:effectRef>
+            <a:fontRef idx="minor">
+              <a:schemeClr val="tx1"/>
+            </a:fontRef>
+          </p:style>
+        </p:cxnSp>
+        <p:sp>
+          <p:nvSpPr>
+            <p:cNvPr id="66" name="Oval 65">
+              <a:extLst>
+                <a:ext uri="{FF2B5EF4-FFF2-40B4-BE49-F238E27FC236}">
+                  <a16:creationId xmlns:a16="http://schemas.microsoft.com/office/drawing/2014/main" id="{E9E0B802-F7FE-D360-9EE5-09CB64D88CD5}"/>
+                </a:ext>
+              </a:extLst>
+            </p:cNvPr>
+            <p:cNvSpPr/>
+            <p:nvPr/>
+          </p:nvSpPr>
+          <p:spPr>
+            <a:xfrm>
+              <a:off x="8162021" y="5603383"/>
+              <a:ext cx="99237" cy="99237"/>
+            </a:xfrm>
+            <a:prstGeom prst="ellipse">
+              <a:avLst/>
+            </a:prstGeom>
+            <a:solidFill>
+              <a:srgbClr val="FF0000"/>
+            </a:solidFill>
+            <a:ln w="3175">
+              <a:solidFill>
+                <a:schemeClr val="tx1">
+                  <a:lumMod val="95000"/>
+                  <a:lumOff val="5000"/>
+                </a:schemeClr>
+              </a:solidFill>
+            </a:ln>
+          </p:spPr>
+          <p:style>
+            <a:lnRef idx="2">
+              <a:schemeClr val="accent1">
+                <a:shade val="15000"/>
+              </a:schemeClr>
+            </a:lnRef>
+            <a:fillRef idx="1">
+              <a:schemeClr val="accent1"/>
+            </a:fillRef>
+            <a:effectRef idx="0">
+              <a:schemeClr val="accent1"/>
+            </a:effectRef>
+            <a:fontRef idx="minor">
+              <a:schemeClr val="lt1"/>
+            </a:fontRef>
+          </p:style>
+          <p:txBody>
+            <a:bodyPr rtlCol="0" anchor="ctr"/>
+            <a:lstStyle/>
+            <a:p>
+              <a:pPr algn="ctr"/>
+              <a:endParaRPr lang="en-DK"/>
+            </a:p>
+          </p:txBody>
+        </p:sp>
+        <p:sp>
+          <p:nvSpPr>
+            <p:cNvPr id="67" name="Oval 66">
+              <a:extLst>
+                <a:ext uri="{FF2B5EF4-FFF2-40B4-BE49-F238E27FC236}">
+                  <a16:creationId xmlns:a16="http://schemas.microsoft.com/office/drawing/2014/main" id="{2208A912-5423-D9A4-C039-6E4B9D6A3C84}"/>
+                </a:ext>
+              </a:extLst>
+            </p:cNvPr>
+            <p:cNvSpPr/>
+            <p:nvPr/>
+          </p:nvSpPr>
+          <p:spPr>
+            <a:xfrm>
+              <a:off x="8310871" y="5358838"/>
+              <a:ext cx="99237" cy="99237"/>
+            </a:xfrm>
+            <a:prstGeom prst="ellipse">
+              <a:avLst/>
+            </a:prstGeom>
+            <a:solidFill>
+              <a:srgbClr val="FF0000"/>
+            </a:solidFill>
+            <a:ln w="3175">
+              <a:solidFill>
+                <a:schemeClr val="tx1">
+                  <a:lumMod val="95000"/>
+                  <a:lumOff val="5000"/>
+                </a:schemeClr>
+              </a:solidFill>
+            </a:ln>
+          </p:spPr>
+          <p:style>
+            <a:lnRef idx="2">
+              <a:schemeClr val="accent1">
+                <a:shade val="15000"/>
+              </a:schemeClr>
+            </a:lnRef>
+            <a:fillRef idx="1">
+              <a:schemeClr val="accent1"/>
+            </a:fillRef>
+            <a:effectRef idx="0">
+              <a:schemeClr val="accent1"/>
+            </a:effectRef>
+            <a:fontRef idx="minor">
+              <a:schemeClr val="lt1"/>
+            </a:fontRef>
+          </p:style>
+          <p:txBody>
+            <a:bodyPr rtlCol="0" anchor="ctr"/>
+            <a:lstStyle/>
+            <a:p>
+              <a:pPr algn="ctr"/>
+              <a:endParaRPr lang="en-DK"/>
+            </a:p>
+          </p:txBody>
+        </p:sp>
+        <p:sp>
+          <p:nvSpPr>
+            <p:cNvPr id="68" name="Oval 67">
+              <a:extLst>
+                <a:ext uri="{FF2B5EF4-FFF2-40B4-BE49-F238E27FC236}">
+                  <a16:creationId xmlns:a16="http://schemas.microsoft.com/office/drawing/2014/main" id="{32E09EB8-FC15-2069-76B0-091B39B7326D}"/>
+                </a:ext>
+              </a:extLst>
+            </p:cNvPr>
+            <p:cNvSpPr/>
+            <p:nvPr/>
+          </p:nvSpPr>
+          <p:spPr>
+            <a:xfrm>
+              <a:off x="8619218" y="5082389"/>
+              <a:ext cx="99237" cy="99237"/>
+            </a:xfrm>
+            <a:prstGeom prst="ellipse">
+              <a:avLst/>
+            </a:prstGeom>
+            <a:solidFill>
+              <a:srgbClr val="FF0000"/>
+            </a:solidFill>
+            <a:ln w="3175">
+              <a:solidFill>
+                <a:schemeClr val="tx1">
+                  <a:lumMod val="95000"/>
+                  <a:lumOff val="5000"/>
+                </a:schemeClr>
+              </a:solidFill>
+            </a:ln>
+          </p:spPr>
+          <p:style>
+            <a:lnRef idx="2">
+              <a:schemeClr val="accent1">
+                <a:shade val="15000"/>
+              </a:schemeClr>
+            </a:lnRef>
+            <a:fillRef idx="1">
+              <a:schemeClr val="accent1"/>
+            </a:fillRef>
+            <a:effectRef idx="0">
+              <a:schemeClr val="accent1"/>
+            </a:effectRef>
+            <a:fontRef idx="minor">
+              <a:schemeClr val="lt1"/>
+            </a:fontRef>
+          </p:style>
+          <p:txBody>
+            <a:bodyPr rtlCol="0" anchor="ctr"/>
+            <a:lstStyle/>
+            <a:p>
+              <a:pPr algn="ctr"/>
+              <a:endParaRPr lang="en-DK"/>
+            </a:p>
+          </p:txBody>
+        </p:sp>
+        <p:sp>
+          <p:nvSpPr>
+            <p:cNvPr id="69" name="Oval 68">
+              <a:extLst>
+                <a:ext uri="{FF2B5EF4-FFF2-40B4-BE49-F238E27FC236}">
+                  <a16:creationId xmlns:a16="http://schemas.microsoft.com/office/drawing/2014/main" id="{CD41CE56-29B5-D7B3-C2CC-1B2E16428CCE}"/>
+                </a:ext>
+              </a:extLst>
+            </p:cNvPr>
+            <p:cNvSpPr/>
+            <p:nvPr/>
+          </p:nvSpPr>
+          <p:spPr>
+            <a:xfrm>
+              <a:off x="8980720" y="4976061"/>
+              <a:ext cx="99237" cy="99237"/>
+            </a:xfrm>
+            <a:prstGeom prst="ellipse">
+              <a:avLst/>
+            </a:prstGeom>
+            <a:solidFill>
+              <a:srgbClr val="FF0000"/>
+            </a:solidFill>
+            <a:ln w="3175">
+              <a:solidFill>
+                <a:schemeClr val="tx1">
+                  <a:lumMod val="95000"/>
+                  <a:lumOff val="5000"/>
+                </a:schemeClr>
+              </a:solidFill>
+            </a:ln>
+          </p:spPr>
+          <p:style>
+            <a:lnRef idx="2">
+              <a:schemeClr val="accent1">
+                <a:shade val="15000"/>
+              </a:schemeClr>
+            </a:lnRef>
+            <a:fillRef idx="1">
+              <a:schemeClr val="accent1"/>
+            </a:fillRef>
+            <a:effectRef idx="0">
+              <a:schemeClr val="accent1"/>
+            </a:effectRef>
+            <a:fontRef idx="minor">
+              <a:schemeClr val="lt1"/>
+            </a:fontRef>
+          </p:style>
+          <p:txBody>
+            <a:bodyPr rtlCol="0" anchor="ctr"/>
+            <a:lstStyle/>
+            <a:p>
+              <a:pPr algn="ctr"/>
+              <a:endParaRPr lang="en-DK"/>
+            </a:p>
+          </p:txBody>
+        </p:sp>
+        <p:sp>
+          <p:nvSpPr>
+            <p:cNvPr id="70" name="Oval 69">
+              <a:extLst>
+                <a:ext uri="{FF2B5EF4-FFF2-40B4-BE49-F238E27FC236}">
+                  <a16:creationId xmlns:a16="http://schemas.microsoft.com/office/drawing/2014/main" id="{5E63E40C-EBCA-B0E0-1132-C88966332F3B}"/>
+                </a:ext>
+              </a:extLst>
+            </p:cNvPr>
+            <p:cNvSpPr/>
+            <p:nvPr/>
+          </p:nvSpPr>
+          <p:spPr>
+            <a:xfrm>
+              <a:off x="9374130" y="4944161"/>
+              <a:ext cx="99237" cy="99237"/>
+            </a:xfrm>
+            <a:prstGeom prst="ellipse">
+              <a:avLst/>
+            </a:prstGeom>
+            <a:solidFill>
+              <a:srgbClr val="FF0000"/>
+            </a:solidFill>
+            <a:ln w="3175">
+              <a:solidFill>
+                <a:schemeClr val="tx1">
+                  <a:lumMod val="95000"/>
+                  <a:lumOff val="5000"/>
+                </a:schemeClr>
+              </a:solidFill>
+            </a:ln>
+          </p:spPr>
+          <p:style>
+            <a:lnRef idx="2">
+              <a:schemeClr val="accent1">
+                <a:shade val="15000"/>
+              </a:schemeClr>
+            </a:lnRef>
+            <a:fillRef idx="1">
+              <a:schemeClr val="accent1"/>
+            </a:fillRef>
+            <a:effectRef idx="0">
+              <a:schemeClr val="accent1"/>
+            </a:effectRef>
+            <a:fontRef idx="minor">
+              <a:schemeClr val="lt1"/>
+            </a:fontRef>
+          </p:style>
+          <p:txBody>
+            <a:bodyPr rtlCol="0" anchor="ctr"/>
+            <a:lstStyle/>
+            <a:p>
+              <a:pPr algn="ctr"/>
+              <a:endParaRPr lang="en-DK"/>
+            </a:p>
+          </p:txBody>
+        </p:sp>
+        <p:pic>
+          <p:nvPicPr>
+            <p:cNvPr id="71" name="Graphic 70" descr="Tick with solid fill">
+              <a:extLst>
+                <a:ext uri="{FF2B5EF4-FFF2-40B4-BE49-F238E27FC236}">
+                  <a16:creationId xmlns:a16="http://schemas.microsoft.com/office/drawing/2014/main" id="{71423037-FD5B-6D1C-1C5A-A388F5FD3B3B}"/>
+                </a:ext>
+              </a:extLst>
+            </p:cNvPr>
+            <p:cNvPicPr>
+              <a:picLocks noChangeAspect="1"/>
+            </p:cNvPicPr>
+            <p:nvPr/>
+          </p:nvPicPr>
+          <p:blipFill>
+            <a:blip r:embed="rId2">
+              <a:extLst>
+                <a:ext uri="{96DAC541-7B7A-43D3-8B79-37D633B846F1}">
+                  <asvg:svgBlip xmlns:asvg="http://schemas.microsoft.com/office/drawing/2016/SVG/main" r:embed="rId3"/>
+                </a:ext>
+              </a:extLst>
+            </a:blip>
+            <a:stretch>
+              <a:fillRect/>
+            </a:stretch>
+          </p:blipFill>
+          <p:spPr>
+            <a:xfrm>
+              <a:off x="8344659" y="4559741"/>
+              <a:ext cx="1079089" cy="1079089"/>
+            </a:xfrm>
+            <a:prstGeom prst="rect">
+              <a:avLst/>
+            </a:prstGeom>
+          </p:spPr>
+        </p:pic>
+        <p:cxnSp>
+          <p:nvCxnSpPr>
+            <p:cNvPr id="72" name="Straight Arrow Connector 71">
+              <a:extLst>
+                <a:ext uri="{FF2B5EF4-FFF2-40B4-BE49-F238E27FC236}">
+                  <a16:creationId xmlns:a16="http://schemas.microsoft.com/office/drawing/2014/main" id="{AAFD1BDA-3B81-2481-78D5-01ACFF179751}"/>
+                </a:ext>
+              </a:extLst>
+            </p:cNvPr>
+            <p:cNvCxnSpPr/>
+            <p:nvPr/>
+          </p:nvCxnSpPr>
+          <p:spPr>
+            <a:xfrm>
+              <a:off x="10198271" y="5846158"/>
+              <a:ext cx="1857153" cy="0"/>
+            </a:xfrm>
+            <a:prstGeom prst="straightConnector1">
+              <a:avLst/>
+            </a:prstGeom>
+            <a:ln w="38100">
+              <a:tailEnd type="triangle"/>
+            </a:ln>
+          </p:spPr>
+          <p:style>
+            <a:lnRef idx="2">
+              <a:schemeClr val="accent1"/>
+            </a:lnRef>
+            <a:fillRef idx="0">
+              <a:schemeClr val="accent1"/>
+            </a:fillRef>
+            <a:effectRef idx="1">
+              <a:schemeClr val="accent1"/>
+            </a:effectRef>
+            <a:fontRef idx="minor">
+              <a:schemeClr val="tx1"/>
+            </a:fontRef>
+          </p:style>
+        </p:cxnSp>
+        <p:cxnSp>
+          <p:nvCxnSpPr>
+            <p:cNvPr id="73" name="Straight Arrow Connector 72">
+              <a:extLst>
+                <a:ext uri="{FF2B5EF4-FFF2-40B4-BE49-F238E27FC236}">
+                  <a16:creationId xmlns:a16="http://schemas.microsoft.com/office/drawing/2014/main" id="{EA08AC59-7A53-4CA5-3214-F5088C024C6D}"/>
+                </a:ext>
+              </a:extLst>
+            </p:cNvPr>
+            <p:cNvCxnSpPr>
+              <a:cxnSpLocks/>
+            </p:cNvCxnSpPr>
+            <p:nvPr/>
+          </p:nvCxnSpPr>
+          <p:spPr>
+            <a:xfrm flipV="1">
+              <a:off x="10198271" y="4304437"/>
+              <a:ext cx="0" cy="1541721"/>
+            </a:xfrm>
+            <a:prstGeom prst="straightConnector1">
+              <a:avLst/>
+            </a:prstGeom>
+            <a:ln w="38100">
+              <a:tailEnd type="triangle"/>
+            </a:ln>
+          </p:spPr>
+          <p:style>
+            <a:lnRef idx="2">
+              <a:schemeClr val="accent1"/>
+            </a:lnRef>
+            <a:fillRef idx="0">
+              <a:schemeClr val="accent1"/>
+            </a:fillRef>
+            <a:effectRef idx="1">
+              <a:schemeClr val="accent1"/>
+            </a:effectRef>
+            <a:fontRef idx="minor">
+              <a:schemeClr val="tx1"/>
+            </a:fontRef>
+          </p:style>
+        </p:cxnSp>
+        <p:sp>
+          <p:nvSpPr>
+            <p:cNvPr id="74" name="Oval 73">
+              <a:extLst>
+                <a:ext uri="{FF2B5EF4-FFF2-40B4-BE49-F238E27FC236}">
+                  <a16:creationId xmlns:a16="http://schemas.microsoft.com/office/drawing/2014/main" id="{6082730C-2C2B-8A48-C48C-9381C44BB165}"/>
+                </a:ext>
+              </a:extLst>
+            </p:cNvPr>
+            <p:cNvSpPr/>
+            <p:nvPr/>
+          </p:nvSpPr>
+          <p:spPr>
+            <a:xfrm>
+              <a:off x="10322322" y="5629956"/>
+              <a:ext cx="99237" cy="99237"/>
+            </a:xfrm>
+            <a:prstGeom prst="ellipse">
+              <a:avLst/>
+            </a:prstGeom>
+            <a:solidFill>
+              <a:srgbClr val="FF0000"/>
+            </a:solidFill>
+            <a:ln w="3175">
+              <a:solidFill>
+                <a:schemeClr val="tx1">
+                  <a:lumMod val="95000"/>
+                  <a:lumOff val="5000"/>
+                </a:schemeClr>
+              </a:solidFill>
+            </a:ln>
+          </p:spPr>
+          <p:style>
+            <a:lnRef idx="2">
+              <a:schemeClr val="accent1">
+                <a:shade val="15000"/>
+              </a:schemeClr>
+            </a:lnRef>
+            <a:fillRef idx="1">
+              <a:schemeClr val="accent1"/>
+            </a:fillRef>
+            <a:effectRef idx="0">
+              <a:schemeClr val="accent1"/>
+            </a:effectRef>
+            <a:fontRef idx="minor">
+              <a:schemeClr val="lt1"/>
+            </a:fontRef>
+          </p:style>
+          <p:txBody>
+            <a:bodyPr rtlCol="0" anchor="ctr"/>
+            <a:lstStyle/>
+            <a:p>
+              <a:pPr algn="ctr"/>
+              <a:endParaRPr lang="en-DK"/>
+            </a:p>
+          </p:txBody>
+        </p:sp>
+        <p:sp>
+          <p:nvSpPr>
+            <p:cNvPr id="75" name="Oval 74">
+              <a:extLst>
+                <a:ext uri="{FF2B5EF4-FFF2-40B4-BE49-F238E27FC236}">
+                  <a16:creationId xmlns:a16="http://schemas.microsoft.com/office/drawing/2014/main" id="{4E9255FA-DF66-1721-7689-AB51C924E57B}"/>
+                </a:ext>
+              </a:extLst>
+            </p:cNvPr>
+            <p:cNvSpPr/>
+            <p:nvPr/>
+          </p:nvSpPr>
+          <p:spPr>
+            <a:xfrm>
+              <a:off x="10471172" y="5385411"/>
+              <a:ext cx="99237" cy="99237"/>
+            </a:xfrm>
+            <a:prstGeom prst="ellipse">
+              <a:avLst/>
+            </a:prstGeom>
+            <a:solidFill>
+              <a:srgbClr val="FF0000"/>
+            </a:solidFill>
+            <a:ln w="3175">
+              <a:solidFill>
+                <a:schemeClr val="tx1">
+                  <a:lumMod val="95000"/>
+                  <a:lumOff val="5000"/>
+                </a:schemeClr>
+              </a:solidFill>
+            </a:ln>
+          </p:spPr>
+          <p:style>
+            <a:lnRef idx="2">
+              <a:schemeClr val="accent1">
+                <a:shade val="15000"/>
+              </a:schemeClr>
+            </a:lnRef>
+            <a:fillRef idx="1">
+              <a:schemeClr val="accent1"/>
+            </a:fillRef>
+            <a:effectRef idx="0">
+              <a:schemeClr val="accent1"/>
+            </a:effectRef>
+            <a:fontRef idx="minor">
+              <a:schemeClr val="lt1"/>
+            </a:fontRef>
+          </p:style>
+          <p:txBody>
+            <a:bodyPr rtlCol="0" anchor="ctr"/>
+            <a:lstStyle/>
+            <a:p>
+              <a:pPr algn="ctr"/>
+              <a:endParaRPr lang="en-DK"/>
+            </a:p>
+          </p:txBody>
+        </p:sp>
+        <p:sp>
+          <p:nvSpPr>
+            <p:cNvPr id="76" name="Oval 75">
+              <a:extLst>
+                <a:ext uri="{FF2B5EF4-FFF2-40B4-BE49-F238E27FC236}">
+                  <a16:creationId xmlns:a16="http://schemas.microsoft.com/office/drawing/2014/main" id="{D753AC6C-8F2E-0A02-FB01-8C7EB685D824}"/>
+                </a:ext>
+              </a:extLst>
+            </p:cNvPr>
+            <p:cNvSpPr/>
+            <p:nvPr/>
+          </p:nvSpPr>
+          <p:spPr>
+            <a:xfrm>
+              <a:off x="10779519" y="5108962"/>
+              <a:ext cx="99237" cy="99237"/>
+            </a:xfrm>
+            <a:prstGeom prst="ellipse">
+              <a:avLst/>
+            </a:prstGeom>
+            <a:solidFill>
+              <a:srgbClr val="FF0000"/>
+            </a:solidFill>
+            <a:ln w="3175">
+              <a:solidFill>
+                <a:schemeClr val="tx1">
+                  <a:lumMod val="95000"/>
+                  <a:lumOff val="5000"/>
+                </a:schemeClr>
+              </a:solidFill>
+            </a:ln>
+          </p:spPr>
+          <p:style>
+            <a:lnRef idx="2">
+              <a:schemeClr val="accent1">
+                <a:shade val="15000"/>
+              </a:schemeClr>
+            </a:lnRef>
+            <a:fillRef idx="1">
+              <a:schemeClr val="accent1"/>
+            </a:fillRef>
+            <a:effectRef idx="0">
+              <a:schemeClr val="accent1"/>
+            </a:effectRef>
+            <a:fontRef idx="minor">
+              <a:schemeClr val="lt1"/>
+            </a:fontRef>
+          </p:style>
+          <p:txBody>
+            <a:bodyPr rtlCol="0" anchor="ctr"/>
+            <a:lstStyle/>
+            <a:p>
+              <a:pPr algn="ctr"/>
+              <a:endParaRPr lang="en-DK"/>
+            </a:p>
+          </p:txBody>
+        </p:sp>
+        <p:sp>
+          <p:nvSpPr>
+            <p:cNvPr id="77" name="Oval 76">
+              <a:extLst>
+                <a:ext uri="{FF2B5EF4-FFF2-40B4-BE49-F238E27FC236}">
+                  <a16:creationId xmlns:a16="http://schemas.microsoft.com/office/drawing/2014/main" id="{F277F76A-3EAD-EF1D-CC16-8EA7B965D87C}"/>
+                </a:ext>
+              </a:extLst>
+            </p:cNvPr>
+            <p:cNvSpPr/>
+            <p:nvPr/>
+          </p:nvSpPr>
+          <p:spPr>
+            <a:xfrm>
+              <a:off x="11141021" y="5002634"/>
+              <a:ext cx="99237" cy="99237"/>
+            </a:xfrm>
+            <a:prstGeom prst="ellipse">
+              <a:avLst/>
+            </a:prstGeom>
+            <a:solidFill>
+              <a:srgbClr val="FF0000"/>
+            </a:solidFill>
+            <a:ln w="3175">
+              <a:solidFill>
+                <a:schemeClr val="tx1">
+                  <a:lumMod val="95000"/>
+                  <a:lumOff val="5000"/>
+                </a:schemeClr>
+              </a:solidFill>
+            </a:ln>
+          </p:spPr>
+          <p:style>
+            <a:lnRef idx="2">
+              <a:schemeClr val="accent1">
+                <a:shade val="15000"/>
+              </a:schemeClr>
+            </a:lnRef>
+            <a:fillRef idx="1">
+              <a:schemeClr val="accent1"/>
+            </a:fillRef>
+            <a:effectRef idx="0">
+              <a:schemeClr val="accent1"/>
+            </a:effectRef>
+            <a:fontRef idx="minor">
+              <a:schemeClr val="lt1"/>
+            </a:fontRef>
+          </p:style>
+          <p:txBody>
+            <a:bodyPr rtlCol="0" anchor="ctr"/>
+            <a:lstStyle/>
+            <a:p>
+              <a:pPr algn="ctr"/>
+              <a:endParaRPr lang="en-DK"/>
+            </a:p>
+          </p:txBody>
+        </p:sp>
+        <p:sp>
+          <p:nvSpPr>
+            <p:cNvPr id="78" name="Oval 77">
+              <a:extLst>
+                <a:ext uri="{FF2B5EF4-FFF2-40B4-BE49-F238E27FC236}">
+                  <a16:creationId xmlns:a16="http://schemas.microsoft.com/office/drawing/2014/main" id="{D4E22C85-E938-CDE1-5FD0-1997C30D1B23}"/>
+                </a:ext>
+              </a:extLst>
+            </p:cNvPr>
+            <p:cNvSpPr/>
+            <p:nvPr/>
+          </p:nvSpPr>
+          <p:spPr>
+            <a:xfrm>
+              <a:off x="11534431" y="4970734"/>
+              <a:ext cx="99237" cy="99237"/>
+            </a:xfrm>
+            <a:prstGeom prst="ellipse">
+              <a:avLst/>
+            </a:prstGeom>
+            <a:solidFill>
+              <a:srgbClr val="FF0000"/>
+            </a:solidFill>
+            <a:ln w="3175">
+              <a:solidFill>
+                <a:schemeClr val="tx1">
+                  <a:lumMod val="95000"/>
+                  <a:lumOff val="5000"/>
+                </a:schemeClr>
+              </a:solidFill>
+            </a:ln>
+          </p:spPr>
+          <p:style>
+            <a:lnRef idx="2">
+              <a:schemeClr val="accent1">
+                <a:shade val="15000"/>
+              </a:schemeClr>
+            </a:lnRef>
+            <a:fillRef idx="1">
+              <a:schemeClr val="accent1"/>
+            </a:fillRef>
+            <a:effectRef idx="0">
+              <a:schemeClr val="accent1"/>
+            </a:effectRef>
+            <a:fontRef idx="minor">
+              <a:schemeClr val="lt1"/>
+            </a:fontRef>
+          </p:style>
+          <p:txBody>
+            <a:bodyPr rtlCol="0" anchor="ctr"/>
+            <a:lstStyle/>
+            <a:p>
+              <a:pPr algn="ctr"/>
+              <a:endParaRPr lang="en-DK"/>
+            </a:p>
+          </p:txBody>
+        </p:sp>
+        <p:pic>
+          <p:nvPicPr>
+            <p:cNvPr id="79" name="Graphic 78" descr="Tick with solid fill">
+              <a:extLst>
+                <a:ext uri="{FF2B5EF4-FFF2-40B4-BE49-F238E27FC236}">
+                  <a16:creationId xmlns:a16="http://schemas.microsoft.com/office/drawing/2014/main" id="{942695D9-00A6-E014-54B1-7176583510E1}"/>
+                </a:ext>
+              </a:extLst>
+            </p:cNvPr>
+            <p:cNvPicPr>
+              <a:picLocks noChangeAspect="1"/>
+            </p:cNvPicPr>
+            <p:nvPr/>
+          </p:nvPicPr>
+          <p:blipFill>
+            <a:blip r:embed="rId2">
+              <a:extLst>
+                <a:ext uri="{96DAC541-7B7A-43D3-8B79-37D633B846F1}">
+                  <asvg:svgBlip xmlns:asvg="http://schemas.microsoft.com/office/drawing/2016/SVG/main" r:embed="rId3"/>
+                </a:ext>
+              </a:extLst>
+            </a:blip>
+            <a:stretch>
+              <a:fillRect/>
+            </a:stretch>
+          </p:blipFill>
+          <p:spPr>
+            <a:xfrm>
+              <a:off x="10504960" y="4586314"/>
+              <a:ext cx="1079089" cy="1079089"/>
+            </a:xfrm>
+            <a:prstGeom prst="rect">
+              <a:avLst/>
+            </a:prstGeom>
+          </p:spPr>
+        </p:pic>
+        <p:pic>
+          <p:nvPicPr>
+            <p:cNvPr id="81" name="Graphic 80" descr="Close with solid fill">
+              <a:extLst>
+                <a:ext uri="{FF2B5EF4-FFF2-40B4-BE49-F238E27FC236}">
+                  <a16:creationId xmlns:a16="http://schemas.microsoft.com/office/drawing/2014/main" id="{0073EF1A-65BB-C6AA-ABC1-07F348F6AD71}"/>
+                </a:ext>
+              </a:extLst>
+            </p:cNvPr>
+            <p:cNvPicPr>
+              <a:picLocks noChangeAspect="1"/>
+            </p:cNvPicPr>
+            <p:nvPr/>
+          </p:nvPicPr>
+          <p:blipFill>
+            <a:blip r:embed="rId4">
+              <a:extLst>
+                <a:ext uri="{96DAC541-7B7A-43D3-8B79-37D633B846F1}">
+                  <asvg:svgBlip xmlns:asvg="http://schemas.microsoft.com/office/drawing/2016/SVG/main" r:embed="rId5"/>
+                </a:ext>
+              </a:extLst>
+            </a:blip>
+            <a:stretch>
+              <a:fillRect/>
+            </a:stretch>
+          </p:blipFill>
+          <p:spPr>
+            <a:xfrm>
+              <a:off x="8475804" y="2643703"/>
+              <a:ext cx="914400" cy="914400"/>
+            </a:xfrm>
+            <a:prstGeom prst="rect">
+              <a:avLst/>
+            </a:prstGeom>
+          </p:spPr>
+        </p:pic>
+      </p:grpSp>
+      <p:sp>
+        <p:nvSpPr>
+          <p:cNvPr id="83" name="TextBox 82">
+            <a:extLst>
+              <a:ext uri="{FF2B5EF4-FFF2-40B4-BE49-F238E27FC236}">
+                <a16:creationId xmlns:a16="http://schemas.microsoft.com/office/drawing/2014/main" id="{F7AAB5FB-EC6C-B9A5-9BFD-1259D49E42F4}"/>
+              </a:ext>
+            </a:extLst>
+          </p:cNvPr>
+          <p:cNvSpPr txBox="1"/>
+          <p:nvPr/>
+        </p:nvSpPr>
+        <p:spPr>
+          <a:xfrm>
+            <a:off x="187844" y="772938"/>
+            <a:ext cx="7697972" cy="369332"/>
+          </a:xfrm>
+          <a:prstGeom prst="rect">
+            <a:avLst/>
+          </a:prstGeom>
+          <a:noFill/>
+        </p:spPr>
+        <p:txBody>
+          <a:bodyPr wrap="square">
+            <a:spAutoFit/>
+          </a:bodyPr>
+          <a:lstStyle/>
+          <a:p>
+            <a:r>
+              <a:rPr lang="da-DK" sz="1800" b="0" i="0" u="none" strike="noStrike" noProof="0" dirty="0">
+                <a:solidFill>
+                  <a:srgbClr val="7030A0"/>
+                </a:solidFill>
+                <a:effectLst/>
+                <a:latin typeface="Aptos" panose="020B0004020202020204" pitchFamily="34" charset="0"/>
+              </a:rPr>
+              <a:t>Kernestof</a:t>
+            </a:r>
+            <a:endParaRPr lang="en-DK" dirty="0"/>
+          </a:p>
+        </p:txBody>
+      </p:sp>
+      <p:sp>
+        <p:nvSpPr>
+          <p:cNvPr id="84" name="TextBox 83">
+            <a:extLst>
+              <a:ext uri="{FF2B5EF4-FFF2-40B4-BE49-F238E27FC236}">
+                <a16:creationId xmlns:a16="http://schemas.microsoft.com/office/drawing/2014/main" id="{08676BF7-62F2-EC11-4125-8A8B030EE056}"/>
+              </a:ext>
+            </a:extLst>
+          </p:cNvPr>
+          <p:cNvSpPr txBox="1"/>
+          <p:nvPr/>
+        </p:nvSpPr>
+        <p:spPr>
+          <a:xfrm>
+            <a:off x="177211" y="449218"/>
+            <a:ext cx="6097772" cy="369332"/>
+          </a:xfrm>
+          <a:prstGeom prst="rect">
+            <a:avLst/>
+          </a:prstGeom>
+          <a:noFill/>
+        </p:spPr>
+        <p:txBody>
+          <a:bodyPr wrap="square">
+            <a:spAutoFit/>
+          </a:bodyPr>
+          <a:lstStyle/>
+          <a:p>
+            <a:r>
+              <a:rPr lang="da-DK" sz="1800" b="0" i="0" u="none" strike="noStrike" noProof="0" dirty="0">
+                <a:solidFill>
+                  <a:srgbClr val="00B050"/>
+                </a:solidFill>
+                <a:effectLst/>
+                <a:latin typeface="Aptos" panose="020B0004020202020204" pitchFamily="34" charset="0"/>
+              </a:rPr>
+              <a:t>Tilpasning</a:t>
+            </a:r>
+            <a:endParaRPr lang="en-DK" dirty="0"/>
+          </a:p>
+        </p:txBody>
+      </p:sp>
+      <p:sp>
+        <p:nvSpPr>
+          <p:cNvPr id="85" name="TextBox 84">
+            <a:extLst>
+              <a:ext uri="{FF2B5EF4-FFF2-40B4-BE49-F238E27FC236}">
+                <a16:creationId xmlns:a16="http://schemas.microsoft.com/office/drawing/2014/main" id="{F3D7B81D-428C-1A24-0E6B-045579AC38FC}"/>
+              </a:ext>
+            </a:extLst>
+          </p:cNvPr>
+          <p:cNvSpPr txBox="1"/>
+          <p:nvPr/>
+        </p:nvSpPr>
+        <p:spPr>
+          <a:xfrm>
+            <a:off x="187844" y="107289"/>
+            <a:ext cx="7166344" cy="369332"/>
+          </a:xfrm>
+          <a:prstGeom prst="rect">
+            <a:avLst/>
+          </a:prstGeom>
+          <a:noFill/>
+        </p:spPr>
+        <p:txBody>
+          <a:bodyPr wrap="square">
+            <a:spAutoFit/>
+          </a:bodyPr>
+          <a:lstStyle/>
+          <a:p>
+            <a:r>
+              <a:rPr lang="da-DK" sz="1800" b="0" i="0" u="none" strike="noStrike" noProof="0" dirty="0">
+                <a:solidFill>
+                  <a:srgbClr val="00B0F0"/>
+                </a:solidFill>
+                <a:effectLst/>
+                <a:latin typeface="Aptos" panose="020B0004020202020204" pitchFamily="34" charset="0"/>
+              </a:rPr>
+              <a:t>Læring &amp; Motivation</a:t>
+            </a:r>
+            <a:endParaRPr lang="en-DK" dirty="0"/>
+          </a:p>
+        </p:txBody>
+      </p:sp>
+      <p:cxnSp>
+        <p:nvCxnSpPr>
+          <p:cNvPr id="2" name="Straight Arrow Connector 1">
+            <a:extLst>
+              <a:ext uri="{FF2B5EF4-FFF2-40B4-BE49-F238E27FC236}">
+                <a16:creationId xmlns:a16="http://schemas.microsoft.com/office/drawing/2014/main" id="{55611E29-05C3-777F-FFB7-F76497BC2DBF}"/>
+              </a:ext>
+            </a:extLst>
+          </p:cNvPr>
+          <p:cNvCxnSpPr>
+            <a:cxnSpLocks/>
+          </p:cNvCxnSpPr>
+          <p:nvPr/>
+        </p:nvCxnSpPr>
+        <p:spPr>
+          <a:xfrm flipV="1">
+            <a:off x="5186674" y="3802654"/>
+            <a:ext cx="3082605" cy="1800735"/>
+          </a:xfrm>
+          <a:prstGeom prst="straightConnector1">
+            <a:avLst/>
+          </a:prstGeom>
+          <a:ln w="38100">
+            <a:solidFill>
+              <a:srgbClr val="FF0000"/>
+            </a:solidFill>
+            <a:tailEnd type="triangle"/>
+          </a:ln>
+        </p:spPr>
+        <p:style>
+          <a:lnRef idx="2">
+            <a:schemeClr val="accent1"/>
+          </a:lnRef>
+          <a:fillRef idx="0">
+            <a:schemeClr val="accent1"/>
+          </a:fillRef>
+          <a:effectRef idx="1">
+            <a:schemeClr val="accent1"/>
+          </a:effectRef>
+          <a:fontRef idx="minor">
+            <a:schemeClr val="tx1"/>
+          </a:fontRef>
+        </p:style>
+      </p:cxnSp>
     </p:spTree>
     <p:extLst>
       <p:ext uri="{BB962C8B-B14F-4D97-AF65-F5344CB8AC3E}">

--- a/reflection.pptx
+++ b/reflection.pptx
@@ -5250,7 +5250,7 @@
         <p:spPr>
           <a:xfrm>
             <a:off x="377457" y="1720840"/>
-            <a:ext cx="5364125" cy="3416320"/>
+            <a:ext cx="5364125" cy="3693319"/>
           </a:xfrm>
           <a:prstGeom prst="rect">
             <a:avLst/>
@@ -5325,7 +5325,7 @@
             </a:pPr>
             <a:r>
               <a:rPr lang="da-DK" noProof="0" dirty="0"/>
-              <a:t>Det må ikke være tilfældet at det første sted en fejl opdages er det endelig plot – så er det for svært at finde den og det kan hurtigt skabe frustration. </a:t>
+              <a:t>Det må ikke være tilfældet at det første sted en fejl opdages er det endelig resultat/plot – så er det for svært at finde den og det kan hurtigt skabe frustration. </a:t>
             </a:r>
           </a:p>
         </p:txBody>
